--- a/HW5/HW5.pptx
+++ b/HW5/HW5.pptx
@@ -5,8 +5,8 @@
     <p:sldMasterId id="2147483648" r:id="rId1"/>
   </p:sldMasterIdLst>
   <p:sldIdLst>
-    <p:sldId id="257" r:id="rId2"/>
-    <p:sldId id="258" r:id="rId3"/>
+    <p:sldId id="258" r:id="rId2"/>
+    <p:sldId id="256" r:id="rId3"/>
     <p:sldId id="259" r:id="rId4"/>
   </p:sldIdLst>
   <p:sldSz cx="12190413" cy="15744825"/>
@@ -15,8 +15,8 @@
     <a:defPPr>
       <a:defRPr lang="zh-TW"/>
     </a:defPPr>
-    <a:lvl1pPr marL="0" algn="l" defTabSz="1547256" rtl="0" eaLnBrk="1" latinLnBrk="0" hangingPunct="1">
-      <a:defRPr sz="3000" kern="1200">
+    <a:lvl1pPr marL="0" algn="l" defTabSz="1596268" rtl="0" eaLnBrk="1" latinLnBrk="0" hangingPunct="1">
+      <a:defRPr sz="3100" kern="1200">
         <a:solidFill>
           <a:schemeClr val="tx1"/>
         </a:solidFill>
@@ -25,8 +25,8 @@
         <a:cs typeface="+mn-cs"/>
       </a:defRPr>
     </a:lvl1pPr>
-    <a:lvl2pPr marL="773628" algn="l" defTabSz="1547256" rtl="0" eaLnBrk="1" latinLnBrk="0" hangingPunct="1">
-      <a:defRPr sz="3000" kern="1200">
+    <a:lvl2pPr marL="798134" algn="l" defTabSz="1596268" rtl="0" eaLnBrk="1" latinLnBrk="0" hangingPunct="1">
+      <a:defRPr sz="3100" kern="1200">
         <a:solidFill>
           <a:schemeClr val="tx1"/>
         </a:solidFill>
@@ -35,8 +35,8 @@
         <a:cs typeface="+mn-cs"/>
       </a:defRPr>
     </a:lvl2pPr>
-    <a:lvl3pPr marL="1547256" algn="l" defTabSz="1547256" rtl="0" eaLnBrk="1" latinLnBrk="0" hangingPunct="1">
-      <a:defRPr sz="3000" kern="1200">
+    <a:lvl3pPr marL="1596268" algn="l" defTabSz="1596268" rtl="0" eaLnBrk="1" latinLnBrk="0" hangingPunct="1">
+      <a:defRPr sz="3100" kern="1200">
         <a:solidFill>
           <a:schemeClr val="tx1"/>
         </a:solidFill>
@@ -45,8 +45,8 @@
         <a:cs typeface="+mn-cs"/>
       </a:defRPr>
     </a:lvl3pPr>
-    <a:lvl4pPr marL="2320884" algn="l" defTabSz="1547256" rtl="0" eaLnBrk="1" latinLnBrk="0" hangingPunct="1">
-      <a:defRPr sz="3000" kern="1200">
+    <a:lvl4pPr marL="2394402" algn="l" defTabSz="1596268" rtl="0" eaLnBrk="1" latinLnBrk="0" hangingPunct="1">
+      <a:defRPr sz="3100" kern="1200">
         <a:solidFill>
           <a:schemeClr val="tx1"/>
         </a:solidFill>
@@ -55,8 +55,8 @@
         <a:cs typeface="+mn-cs"/>
       </a:defRPr>
     </a:lvl4pPr>
-    <a:lvl5pPr marL="3094512" algn="l" defTabSz="1547256" rtl="0" eaLnBrk="1" latinLnBrk="0" hangingPunct="1">
-      <a:defRPr sz="3000" kern="1200">
+    <a:lvl5pPr marL="3192536" algn="l" defTabSz="1596268" rtl="0" eaLnBrk="1" latinLnBrk="0" hangingPunct="1">
+      <a:defRPr sz="3100" kern="1200">
         <a:solidFill>
           <a:schemeClr val="tx1"/>
         </a:solidFill>
@@ -65,8 +65,8 @@
         <a:cs typeface="+mn-cs"/>
       </a:defRPr>
     </a:lvl5pPr>
-    <a:lvl6pPr marL="3868141" algn="l" defTabSz="1547256" rtl="0" eaLnBrk="1" latinLnBrk="0" hangingPunct="1">
-      <a:defRPr sz="3000" kern="1200">
+    <a:lvl6pPr marL="3990670" algn="l" defTabSz="1596268" rtl="0" eaLnBrk="1" latinLnBrk="0" hangingPunct="1">
+      <a:defRPr sz="3100" kern="1200">
         <a:solidFill>
           <a:schemeClr val="tx1"/>
         </a:solidFill>
@@ -75,8 +75,8 @@
         <a:cs typeface="+mn-cs"/>
       </a:defRPr>
     </a:lvl6pPr>
-    <a:lvl7pPr marL="4641769" algn="l" defTabSz="1547256" rtl="0" eaLnBrk="1" latinLnBrk="0" hangingPunct="1">
-      <a:defRPr sz="3000" kern="1200">
+    <a:lvl7pPr marL="4788804" algn="l" defTabSz="1596268" rtl="0" eaLnBrk="1" latinLnBrk="0" hangingPunct="1">
+      <a:defRPr sz="3100" kern="1200">
         <a:solidFill>
           <a:schemeClr val="tx1"/>
         </a:solidFill>
@@ -85,8 +85,8 @@
         <a:cs typeface="+mn-cs"/>
       </a:defRPr>
     </a:lvl7pPr>
-    <a:lvl8pPr marL="5415397" algn="l" defTabSz="1547256" rtl="0" eaLnBrk="1" latinLnBrk="0" hangingPunct="1">
-      <a:defRPr sz="3000" kern="1200">
+    <a:lvl8pPr marL="5586938" algn="l" defTabSz="1596268" rtl="0" eaLnBrk="1" latinLnBrk="0" hangingPunct="1">
+      <a:defRPr sz="3100" kern="1200">
         <a:solidFill>
           <a:schemeClr val="tx1"/>
         </a:solidFill>
@@ -95,8 +95,8 @@
         <a:cs typeface="+mn-cs"/>
       </a:defRPr>
     </a:lvl8pPr>
-    <a:lvl9pPr marL="6189025" algn="l" defTabSz="1547256" rtl="0" eaLnBrk="1" latinLnBrk="0" hangingPunct="1">
-      <a:defRPr sz="3000" kern="1200">
+    <a:lvl9pPr marL="6385072" algn="l" defTabSz="1596268" rtl="0" eaLnBrk="1" latinLnBrk="0" hangingPunct="1">
+      <a:defRPr sz="3100" kern="1200">
         <a:solidFill>
           <a:schemeClr val="tx1"/>
         </a:solidFill>
@@ -138,7 +138,7 @@
         </p:nvSpPr>
         <p:spPr>
           <a:xfrm>
-            <a:off x="914282" y="4891103"/>
+            <a:off x="914281" y="4891102"/>
             <a:ext cx="10361851" cy="3374932"/>
           </a:xfrm>
         </p:spPr>
@@ -166,7 +166,7 @@
         </p:nvSpPr>
         <p:spPr>
           <a:xfrm>
-            <a:off x="1828563" y="8922068"/>
+            <a:off x="1828562" y="8922067"/>
             <a:ext cx="8533289" cy="4023678"/>
           </a:xfrm>
         </p:spPr>
@@ -183,7 +183,7 @@
                 </a:solidFill>
               </a:defRPr>
             </a:lvl1pPr>
-            <a:lvl2pPr marL="773628" indent="0" algn="ctr">
+            <a:lvl2pPr marL="798134" indent="0" algn="ctr">
               <a:buNone/>
               <a:defRPr>
                 <a:solidFill>
@@ -193,7 +193,7 @@
                 </a:solidFill>
               </a:defRPr>
             </a:lvl2pPr>
-            <a:lvl3pPr marL="1547256" indent="0" algn="ctr">
+            <a:lvl3pPr marL="1596268" indent="0" algn="ctr">
               <a:buNone/>
               <a:defRPr>
                 <a:solidFill>
@@ -203,7 +203,7 @@
                 </a:solidFill>
               </a:defRPr>
             </a:lvl3pPr>
-            <a:lvl4pPr marL="2320884" indent="0" algn="ctr">
+            <a:lvl4pPr marL="2394402" indent="0" algn="ctr">
               <a:buNone/>
               <a:defRPr>
                 <a:solidFill>
@@ -213,7 +213,7 @@
                 </a:solidFill>
               </a:defRPr>
             </a:lvl4pPr>
-            <a:lvl5pPr marL="3094512" indent="0" algn="ctr">
+            <a:lvl5pPr marL="3192536" indent="0" algn="ctr">
               <a:buNone/>
               <a:defRPr>
                 <a:solidFill>
@@ -223,7 +223,7 @@
                 </a:solidFill>
               </a:defRPr>
             </a:lvl5pPr>
-            <a:lvl6pPr marL="3868141" indent="0" algn="ctr">
+            <a:lvl6pPr marL="3990670" indent="0" algn="ctr">
               <a:buNone/>
               <a:defRPr>
                 <a:solidFill>
@@ -233,7 +233,7 @@
                 </a:solidFill>
               </a:defRPr>
             </a:lvl6pPr>
-            <a:lvl7pPr marL="4641769" indent="0" algn="ctr">
+            <a:lvl7pPr marL="4788804" indent="0" algn="ctr">
               <a:buNone/>
               <a:defRPr>
                 <a:solidFill>
@@ -243,7 +243,7 @@
                 </a:solidFill>
               </a:defRPr>
             </a:lvl7pPr>
-            <a:lvl8pPr marL="5415397" indent="0" algn="ctr">
+            <a:lvl8pPr marL="5586938" indent="0" algn="ctr">
               <a:buNone/>
               <a:defRPr>
                 <a:solidFill>
@@ -253,7 +253,7 @@
                 </a:solidFill>
               </a:defRPr>
             </a:lvl8pPr>
-            <a:lvl9pPr marL="6189025" indent="0" algn="ctr">
+            <a:lvl9pPr marL="6385072" indent="0" algn="ctr">
               <a:buNone/>
               <a:defRPr>
                 <a:solidFill>
@@ -288,9 +288,9 @@
           <a:bodyPr/>
           <a:lstStyle/>
           <a:p>
-            <a:fld id="{4541083F-1CA6-4CD0-9E9F-83C48A142F8B}" type="datetimeFigureOut">
-              <a:rPr lang="zh-TW" altLang="en-US" smtClean="0"/>
-              <a:t>2017/3/28</a:t>
+            <a:fld id="{A64F573C-A01E-4407-A6FC-164B74FB2698}" type="datetimeFigureOut">
+              <a:rPr lang="zh-TW" altLang="en-US" smtClean="0"/>
+              <a:t>2017/4/4</a:t>
             </a:fld>
             <a:endParaRPr lang="zh-TW" altLang="en-US"/>
           </a:p>
@@ -330,7 +330,7 @@
           <a:bodyPr/>
           <a:lstStyle/>
           <a:p>
-            <a:fld id="{6A48B74D-F601-4CDF-A41C-9336870951E0}" type="slidenum">
+            <a:fld id="{C4BDA718-894D-43D1-8903-EE25A864AD38}" type="slidenum">
               <a:rPr lang="zh-TW" altLang="en-US" smtClean="0"/>
               <a:t>‹#›</a:t>
             </a:fld>
@@ -341,20 +341,13 @@
     </p:spTree>
     <p:extLst>
       <p:ext uri="{BB962C8B-B14F-4D97-AF65-F5344CB8AC3E}">
-        <p14:creationId xmlns:p14="http://schemas.microsoft.com/office/powerpoint/2010/main" val="599385861"/>
+        <p14:creationId xmlns:p14="http://schemas.microsoft.com/office/powerpoint/2010/main" val="2188745470"/>
       </p:ext>
     </p:extLst>
   </p:cSld>
   <p:clrMapOvr>
     <a:masterClrMapping/>
   </p:clrMapOvr>
-  <p:timing>
-    <p:tnLst>
-      <p:par>
-        <p:cTn id="1" dur="indefinite" restart="never" nodeType="tmRoot"/>
-      </p:par>
-    </p:tnLst>
-  </p:timing>
 </p:sldLayout>
 </file>
 
@@ -465,9 +458,9 @@
           <a:bodyPr/>
           <a:lstStyle/>
           <a:p>
-            <a:fld id="{4541083F-1CA6-4CD0-9E9F-83C48A142F8B}" type="datetimeFigureOut">
-              <a:rPr lang="zh-TW" altLang="en-US" smtClean="0"/>
-              <a:t>2017/3/28</a:t>
+            <a:fld id="{A64F573C-A01E-4407-A6FC-164B74FB2698}" type="datetimeFigureOut">
+              <a:rPr lang="zh-TW" altLang="en-US" smtClean="0"/>
+              <a:t>2017/4/4</a:t>
             </a:fld>
             <a:endParaRPr lang="zh-TW" altLang="en-US"/>
           </a:p>
@@ -507,7 +500,7 @@
           <a:bodyPr/>
           <a:lstStyle/>
           <a:p>
-            <a:fld id="{6A48B74D-F601-4CDF-A41C-9336870951E0}" type="slidenum">
+            <a:fld id="{C4BDA718-894D-43D1-8903-EE25A864AD38}" type="slidenum">
               <a:rPr lang="zh-TW" altLang="en-US" smtClean="0"/>
               <a:t>‹#›</a:t>
             </a:fld>
@@ -518,7 +511,7 @@
     </p:spTree>
     <p:extLst>
       <p:ext uri="{BB962C8B-B14F-4D97-AF65-F5344CB8AC3E}">
-        <p14:creationId xmlns:p14="http://schemas.microsoft.com/office/powerpoint/2010/main" val="3810539902"/>
+        <p14:creationId xmlns:p14="http://schemas.microsoft.com/office/powerpoint/2010/main" val="3346322409"/>
       </p:ext>
     </p:extLst>
   </p:cSld>
@@ -557,8 +550,8 @@
         </p:nvSpPr>
         <p:spPr>
           <a:xfrm>
-            <a:off x="8838050" y="630524"/>
-            <a:ext cx="2742843" cy="13434127"/>
+            <a:off x="8838049" y="630524"/>
+            <a:ext cx="2742843" cy="13434126"/>
           </a:xfrm>
         </p:spPr>
         <p:txBody>
@@ -585,8 +578,8 @@
         </p:nvSpPr>
         <p:spPr>
           <a:xfrm>
-            <a:off x="609522" y="630524"/>
-            <a:ext cx="8025355" cy="13434127"/>
+            <a:off x="609521" y="630524"/>
+            <a:ext cx="8025355" cy="13434126"/>
           </a:xfrm>
         </p:spPr>
         <p:txBody>
@@ -645,9 +638,9 @@
           <a:bodyPr/>
           <a:lstStyle/>
           <a:p>
-            <a:fld id="{4541083F-1CA6-4CD0-9E9F-83C48A142F8B}" type="datetimeFigureOut">
-              <a:rPr lang="zh-TW" altLang="en-US" smtClean="0"/>
-              <a:t>2017/3/28</a:t>
+            <a:fld id="{A64F573C-A01E-4407-A6FC-164B74FB2698}" type="datetimeFigureOut">
+              <a:rPr lang="zh-TW" altLang="en-US" smtClean="0"/>
+              <a:t>2017/4/4</a:t>
             </a:fld>
             <a:endParaRPr lang="zh-TW" altLang="en-US"/>
           </a:p>
@@ -687,7 +680,7 @@
           <a:bodyPr/>
           <a:lstStyle/>
           <a:p>
-            <a:fld id="{6A48B74D-F601-4CDF-A41C-9336870951E0}" type="slidenum">
+            <a:fld id="{C4BDA718-894D-43D1-8903-EE25A864AD38}" type="slidenum">
               <a:rPr lang="zh-TW" altLang="en-US" smtClean="0"/>
               <a:t>‹#›</a:t>
             </a:fld>
@@ -698,7 +691,7 @@
     </p:spTree>
     <p:extLst>
       <p:ext uri="{BB962C8B-B14F-4D97-AF65-F5344CB8AC3E}">
-        <p14:creationId xmlns:p14="http://schemas.microsoft.com/office/powerpoint/2010/main" val="796183534"/>
+        <p14:creationId xmlns:p14="http://schemas.microsoft.com/office/powerpoint/2010/main" val="1061482951"/>
       </p:ext>
     </p:extLst>
   </p:cSld>
@@ -815,9 +808,9 @@
           <a:bodyPr/>
           <a:lstStyle/>
           <a:p>
-            <a:fld id="{4541083F-1CA6-4CD0-9E9F-83C48A142F8B}" type="datetimeFigureOut">
-              <a:rPr lang="zh-TW" altLang="en-US" smtClean="0"/>
-              <a:t>2017/3/28</a:t>
+            <a:fld id="{A64F573C-A01E-4407-A6FC-164B74FB2698}" type="datetimeFigureOut">
+              <a:rPr lang="zh-TW" altLang="en-US" smtClean="0"/>
+              <a:t>2017/4/4</a:t>
             </a:fld>
             <a:endParaRPr lang="zh-TW" altLang="en-US"/>
           </a:p>
@@ -857,7 +850,7 @@
           <a:bodyPr/>
           <a:lstStyle/>
           <a:p>
-            <a:fld id="{6A48B74D-F601-4CDF-A41C-9336870951E0}" type="slidenum">
+            <a:fld id="{C4BDA718-894D-43D1-8903-EE25A864AD38}" type="slidenum">
               <a:rPr lang="zh-TW" altLang="en-US" smtClean="0"/>
               <a:t>‹#›</a:t>
             </a:fld>
@@ -868,7 +861,7 @@
     </p:spTree>
     <p:extLst>
       <p:ext uri="{BB962C8B-B14F-4D97-AF65-F5344CB8AC3E}">
-        <p14:creationId xmlns:p14="http://schemas.microsoft.com/office/powerpoint/2010/main" val="4021761273"/>
+        <p14:creationId xmlns:p14="http://schemas.microsoft.com/office/powerpoint/2010/main" val="2999418578"/>
       </p:ext>
     </p:extLst>
   </p:cSld>
@@ -907,7 +900,7 @@
         </p:nvSpPr>
         <p:spPr>
           <a:xfrm>
-            <a:off x="962960" y="10117509"/>
+            <a:off x="962959" y="10117509"/>
             <a:ext cx="10361851" cy="3127097"/>
           </a:xfrm>
         </p:spPr>
@@ -915,7 +908,7 @@
           <a:bodyPr anchor="t"/>
           <a:lstStyle>
             <a:lvl1pPr algn="l">
-              <a:defRPr sz="6800" b="1" cap="all"/>
+              <a:defRPr sz="7000" b="1" cap="all"/>
             </a:lvl1pPr>
           </a:lstStyle>
           <a:p>
@@ -939,7 +932,7 @@
         </p:nvSpPr>
         <p:spPr>
           <a:xfrm>
-            <a:off x="962960" y="6673330"/>
+            <a:off x="962959" y="6673330"/>
             <a:ext cx="10361851" cy="3444179"/>
           </a:xfrm>
         </p:spPr>
@@ -948,7 +941,7 @@
           <a:lstStyle>
             <a:lvl1pPr marL="0" indent="0">
               <a:buNone/>
-              <a:defRPr sz="3400">
+              <a:defRPr sz="3500">
                 <a:solidFill>
                   <a:schemeClr val="tx1">
                     <a:tint val="75000"/>
@@ -956,9 +949,9 @@
                 </a:solidFill>
               </a:defRPr>
             </a:lvl1pPr>
-            <a:lvl2pPr marL="773628" indent="0">
-              <a:buNone/>
-              <a:defRPr sz="3000">
+            <a:lvl2pPr marL="798134" indent="0">
+              <a:buNone/>
+              <a:defRPr sz="3100">
                 <a:solidFill>
                   <a:schemeClr val="tx1">
                     <a:tint val="75000"/>
@@ -966,9 +959,9 @@
                 </a:solidFill>
               </a:defRPr>
             </a:lvl2pPr>
-            <a:lvl3pPr marL="1547256" indent="0">
-              <a:buNone/>
-              <a:defRPr sz="2700">
+            <a:lvl3pPr marL="1596268" indent="0">
+              <a:buNone/>
+              <a:defRPr sz="2800">
                 <a:solidFill>
                   <a:schemeClr val="tx1">
                     <a:tint val="75000"/>
@@ -976,7 +969,7 @@
                 </a:solidFill>
               </a:defRPr>
             </a:lvl3pPr>
-            <a:lvl4pPr marL="2320884" indent="0">
+            <a:lvl4pPr marL="2394402" indent="0">
               <a:buNone/>
               <a:defRPr sz="2400">
                 <a:solidFill>
@@ -986,7 +979,7 @@
                 </a:solidFill>
               </a:defRPr>
             </a:lvl4pPr>
-            <a:lvl5pPr marL="3094512" indent="0">
+            <a:lvl5pPr marL="3192536" indent="0">
               <a:buNone/>
               <a:defRPr sz="2400">
                 <a:solidFill>
@@ -996,7 +989,7 @@
                 </a:solidFill>
               </a:defRPr>
             </a:lvl5pPr>
-            <a:lvl6pPr marL="3868141" indent="0">
+            <a:lvl6pPr marL="3990670" indent="0">
               <a:buNone/>
               <a:defRPr sz="2400">
                 <a:solidFill>
@@ -1006,7 +999,7 @@
                 </a:solidFill>
               </a:defRPr>
             </a:lvl6pPr>
-            <a:lvl7pPr marL="4641769" indent="0">
+            <a:lvl7pPr marL="4788804" indent="0">
               <a:buNone/>
               <a:defRPr sz="2400">
                 <a:solidFill>
@@ -1016,7 +1009,7 @@
                 </a:solidFill>
               </a:defRPr>
             </a:lvl7pPr>
-            <a:lvl8pPr marL="5415397" indent="0">
+            <a:lvl8pPr marL="5586938" indent="0">
               <a:buNone/>
               <a:defRPr sz="2400">
                 <a:solidFill>
@@ -1026,7 +1019,7 @@
                 </a:solidFill>
               </a:defRPr>
             </a:lvl8pPr>
-            <a:lvl9pPr marL="6189025" indent="0">
+            <a:lvl9pPr marL="6385072" indent="0">
               <a:buNone/>
               <a:defRPr sz="2400">
                 <a:solidFill>
@@ -1061,9 +1054,9 @@
           <a:bodyPr/>
           <a:lstStyle/>
           <a:p>
-            <a:fld id="{4541083F-1CA6-4CD0-9E9F-83C48A142F8B}" type="datetimeFigureOut">
-              <a:rPr lang="zh-TW" altLang="en-US" smtClean="0"/>
-              <a:t>2017/3/28</a:t>
+            <a:fld id="{A64F573C-A01E-4407-A6FC-164B74FB2698}" type="datetimeFigureOut">
+              <a:rPr lang="zh-TW" altLang="en-US" smtClean="0"/>
+              <a:t>2017/4/4</a:t>
             </a:fld>
             <a:endParaRPr lang="zh-TW" altLang="en-US"/>
           </a:p>
@@ -1103,7 +1096,7 @@
           <a:bodyPr/>
           <a:lstStyle/>
           <a:p>
-            <a:fld id="{6A48B74D-F601-4CDF-A41C-9336870951E0}" type="slidenum">
+            <a:fld id="{C4BDA718-894D-43D1-8903-EE25A864AD38}" type="slidenum">
               <a:rPr lang="zh-TW" altLang="en-US" smtClean="0"/>
               <a:t>‹#›</a:t>
             </a:fld>
@@ -1114,7 +1107,7 @@
     </p:spTree>
     <p:extLst>
       <p:ext uri="{BB962C8B-B14F-4D97-AF65-F5344CB8AC3E}">
-        <p14:creationId xmlns:p14="http://schemas.microsoft.com/office/powerpoint/2010/main" val="571734500"/>
+        <p14:creationId xmlns:p14="http://schemas.microsoft.com/office/powerpoint/2010/main" val="1452707971"/>
       </p:ext>
     </p:extLst>
   </p:cSld>
@@ -1176,39 +1169,39 @@
         </p:nvSpPr>
         <p:spPr>
           <a:xfrm>
-            <a:off x="609522" y="3673795"/>
-            <a:ext cx="5384099" cy="10390856"/>
+            <a:off x="609521" y="3673794"/>
+            <a:ext cx="5384099" cy="10390857"/>
           </a:xfrm>
         </p:spPr>
         <p:txBody>
           <a:bodyPr/>
           <a:lstStyle>
             <a:lvl1pPr>
-              <a:defRPr sz="4700"/>
+              <a:defRPr sz="4900"/>
             </a:lvl1pPr>
             <a:lvl2pPr>
-              <a:defRPr sz="4100"/>
+              <a:defRPr sz="4200"/>
             </a:lvl2pPr>
             <a:lvl3pPr>
-              <a:defRPr sz="3400"/>
+              <a:defRPr sz="3500"/>
             </a:lvl3pPr>
             <a:lvl4pPr>
-              <a:defRPr sz="3000"/>
+              <a:defRPr sz="3100"/>
             </a:lvl4pPr>
             <a:lvl5pPr>
-              <a:defRPr sz="3000"/>
+              <a:defRPr sz="3100"/>
             </a:lvl5pPr>
             <a:lvl6pPr>
-              <a:defRPr sz="3000"/>
+              <a:defRPr sz="3100"/>
             </a:lvl6pPr>
             <a:lvl7pPr>
-              <a:defRPr sz="3000"/>
+              <a:defRPr sz="3100"/>
             </a:lvl7pPr>
             <a:lvl8pPr>
-              <a:defRPr sz="3000"/>
+              <a:defRPr sz="3100"/>
             </a:lvl8pPr>
             <a:lvl9pPr>
-              <a:defRPr sz="3000"/>
+              <a:defRPr sz="3100"/>
             </a:lvl9pPr>
           </a:lstStyle>
           <a:p>
@@ -1261,39 +1254,39 @@
         </p:nvSpPr>
         <p:spPr>
           <a:xfrm>
-            <a:off x="6196794" y="3673795"/>
-            <a:ext cx="5384099" cy="10390856"/>
+            <a:off x="6196793" y="3673794"/>
+            <a:ext cx="5384099" cy="10390857"/>
           </a:xfrm>
         </p:spPr>
         <p:txBody>
           <a:bodyPr/>
           <a:lstStyle>
             <a:lvl1pPr>
-              <a:defRPr sz="4700"/>
+              <a:defRPr sz="4900"/>
             </a:lvl1pPr>
             <a:lvl2pPr>
-              <a:defRPr sz="4100"/>
+              <a:defRPr sz="4200"/>
             </a:lvl2pPr>
             <a:lvl3pPr>
-              <a:defRPr sz="3400"/>
+              <a:defRPr sz="3500"/>
             </a:lvl3pPr>
             <a:lvl4pPr>
-              <a:defRPr sz="3000"/>
+              <a:defRPr sz="3100"/>
             </a:lvl4pPr>
             <a:lvl5pPr>
-              <a:defRPr sz="3000"/>
+              <a:defRPr sz="3100"/>
             </a:lvl5pPr>
             <a:lvl6pPr>
-              <a:defRPr sz="3000"/>
+              <a:defRPr sz="3100"/>
             </a:lvl6pPr>
             <a:lvl7pPr>
-              <a:defRPr sz="3000"/>
+              <a:defRPr sz="3100"/>
             </a:lvl7pPr>
             <a:lvl8pPr>
-              <a:defRPr sz="3000"/>
+              <a:defRPr sz="3100"/>
             </a:lvl8pPr>
             <a:lvl9pPr>
-              <a:defRPr sz="3000"/>
+              <a:defRPr sz="3100"/>
             </a:lvl9pPr>
           </a:lstStyle>
           <a:p>
@@ -1349,9 +1342,9 @@
           <a:bodyPr/>
           <a:lstStyle/>
           <a:p>
-            <a:fld id="{4541083F-1CA6-4CD0-9E9F-83C48A142F8B}" type="datetimeFigureOut">
-              <a:rPr lang="zh-TW" altLang="en-US" smtClean="0"/>
-              <a:t>2017/3/28</a:t>
+            <a:fld id="{A64F573C-A01E-4407-A6FC-164B74FB2698}" type="datetimeFigureOut">
+              <a:rPr lang="zh-TW" altLang="en-US" smtClean="0"/>
+              <a:t>2017/4/4</a:t>
             </a:fld>
             <a:endParaRPr lang="zh-TW" altLang="en-US"/>
           </a:p>
@@ -1391,7 +1384,7 @@
           <a:bodyPr/>
           <a:lstStyle/>
           <a:p>
-            <a:fld id="{6A48B74D-F601-4CDF-A41C-9336870951E0}" type="slidenum">
+            <a:fld id="{C4BDA718-894D-43D1-8903-EE25A864AD38}" type="slidenum">
               <a:rPr lang="zh-TW" altLang="en-US" smtClean="0"/>
               <a:t>‹#›</a:t>
             </a:fld>
@@ -1402,7 +1395,7 @@
     </p:spTree>
     <p:extLst>
       <p:ext uri="{BB962C8B-B14F-4D97-AF65-F5344CB8AC3E}">
-        <p14:creationId xmlns:p14="http://schemas.microsoft.com/office/powerpoint/2010/main" val="1321156228"/>
+        <p14:creationId xmlns:p14="http://schemas.microsoft.com/office/powerpoint/2010/main" val="3756844174"/>
       </p:ext>
     </p:extLst>
   </p:cSld>
@@ -1477,39 +1470,39 @@
           <a:lstStyle>
             <a:lvl1pPr marL="0" indent="0">
               <a:buNone/>
-              <a:defRPr sz="4100" b="1"/>
+              <a:defRPr sz="4200" b="1"/>
             </a:lvl1pPr>
-            <a:lvl2pPr marL="773628" indent="0">
-              <a:buNone/>
-              <a:defRPr sz="3400" b="1"/>
+            <a:lvl2pPr marL="798134" indent="0">
+              <a:buNone/>
+              <a:defRPr sz="3500" b="1"/>
             </a:lvl2pPr>
-            <a:lvl3pPr marL="1547256" indent="0">
-              <a:buNone/>
-              <a:defRPr sz="3000" b="1"/>
+            <a:lvl3pPr marL="1596268" indent="0">
+              <a:buNone/>
+              <a:defRPr sz="3100" b="1"/>
             </a:lvl3pPr>
-            <a:lvl4pPr marL="2320884" indent="0">
-              <a:buNone/>
-              <a:defRPr sz="2700" b="1"/>
+            <a:lvl4pPr marL="2394402" indent="0">
+              <a:buNone/>
+              <a:defRPr sz="2800" b="1"/>
             </a:lvl4pPr>
-            <a:lvl5pPr marL="3094512" indent="0">
-              <a:buNone/>
-              <a:defRPr sz="2700" b="1"/>
+            <a:lvl5pPr marL="3192536" indent="0">
+              <a:buNone/>
+              <a:defRPr sz="2800" b="1"/>
             </a:lvl5pPr>
-            <a:lvl6pPr marL="3868141" indent="0">
-              <a:buNone/>
-              <a:defRPr sz="2700" b="1"/>
+            <a:lvl6pPr marL="3990670" indent="0">
+              <a:buNone/>
+              <a:defRPr sz="2800" b="1"/>
             </a:lvl6pPr>
-            <a:lvl7pPr marL="4641769" indent="0">
-              <a:buNone/>
-              <a:defRPr sz="2700" b="1"/>
+            <a:lvl7pPr marL="4788804" indent="0">
+              <a:buNone/>
+              <a:defRPr sz="2800" b="1"/>
             </a:lvl7pPr>
-            <a:lvl8pPr marL="5415397" indent="0">
-              <a:buNone/>
-              <a:defRPr sz="2700" b="1"/>
+            <a:lvl8pPr marL="5586938" indent="0">
+              <a:buNone/>
+              <a:defRPr sz="2800" b="1"/>
             </a:lvl8pPr>
-            <a:lvl9pPr marL="6189025" indent="0">
-              <a:buNone/>
-              <a:defRPr sz="2700" b="1"/>
+            <a:lvl9pPr marL="6385072" indent="0">
+              <a:buNone/>
+              <a:defRPr sz="2800" b="1"/>
             </a:lvl9pPr>
           </a:lstStyle>
           <a:p>
@@ -1541,31 +1534,31 @@
           <a:bodyPr/>
           <a:lstStyle>
             <a:lvl1pPr>
-              <a:defRPr sz="4100"/>
+              <a:defRPr sz="4200"/>
             </a:lvl1pPr>
             <a:lvl2pPr>
-              <a:defRPr sz="3400"/>
+              <a:defRPr sz="3500"/>
             </a:lvl2pPr>
             <a:lvl3pPr>
-              <a:defRPr sz="3000"/>
+              <a:defRPr sz="3100"/>
             </a:lvl3pPr>
             <a:lvl4pPr>
-              <a:defRPr sz="2700"/>
+              <a:defRPr sz="2800"/>
             </a:lvl4pPr>
             <a:lvl5pPr>
-              <a:defRPr sz="2700"/>
+              <a:defRPr sz="2800"/>
             </a:lvl5pPr>
             <a:lvl6pPr>
-              <a:defRPr sz="2700"/>
+              <a:defRPr sz="2800"/>
             </a:lvl6pPr>
             <a:lvl7pPr>
-              <a:defRPr sz="2700"/>
+              <a:defRPr sz="2800"/>
             </a:lvl7pPr>
             <a:lvl8pPr>
-              <a:defRPr sz="2700"/>
+              <a:defRPr sz="2800"/>
             </a:lvl8pPr>
             <a:lvl9pPr>
-              <a:defRPr sz="2700"/>
+              <a:defRPr sz="2800"/>
             </a:lvl9pPr>
           </a:lstStyle>
           <a:p>
@@ -1627,39 +1620,39 @@
           <a:lstStyle>
             <a:lvl1pPr marL="0" indent="0">
               <a:buNone/>
-              <a:defRPr sz="4100" b="1"/>
+              <a:defRPr sz="4200" b="1"/>
             </a:lvl1pPr>
-            <a:lvl2pPr marL="773628" indent="0">
-              <a:buNone/>
-              <a:defRPr sz="3400" b="1"/>
+            <a:lvl2pPr marL="798134" indent="0">
+              <a:buNone/>
+              <a:defRPr sz="3500" b="1"/>
             </a:lvl2pPr>
-            <a:lvl3pPr marL="1547256" indent="0">
-              <a:buNone/>
-              <a:defRPr sz="3000" b="1"/>
+            <a:lvl3pPr marL="1596268" indent="0">
+              <a:buNone/>
+              <a:defRPr sz="3100" b="1"/>
             </a:lvl3pPr>
-            <a:lvl4pPr marL="2320884" indent="0">
-              <a:buNone/>
-              <a:defRPr sz="2700" b="1"/>
+            <a:lvl4pPr marL="2394402" indent="0">
+              <a:buNone/>
+              <a:defRPr sz="2800" b="1"/>
             </a:lvl4pPr>
-            <a:lvl5pPr marL="3094512" indent="0">
-              <a:buNone/>
-              <a:defRPr sz="2700" b="1"/>
+            <a:lvl5pPr marL="3192536" indent="0">
+              <a:buNone/>
+              <a:defRPr sz="2800" b="1"/>
             </a:lvl5pPr>
-            <a:lvl6pPr marL="3868141" indent="0">
-              <a:buNone/>
-              <a:defRPr sz="2700" b="1"/>
+            <a:lvl6pPr marL="3990670" indent="0">
+              <a:buNone/>
+              <a:defRPr sz="2800" b="1"/>
             </a:lvl6pPr>
-            <a:lvl7pPr marL="4641769" indent="0">
-              <a:buNone/>
-              <a:defRPr sz="2700" b="1"/>
+            <a:lvl7pPr marL="4788804" indent="0">
+              <a:buNone/>
+              <a:defRPr sz="2800" b="1"/>
             </a:lvl7pPr>
-            <a:lvl8pPr marL="5415397" indent="0">
-              <a:buNone/>
-              <a:defRPr sz="2700" b="1"/>
+            <a:lvl8pPr marL="5586938" indent="0">
+              <a:buNone/>
+              <a:defRPr sz="2800" b="1"/>
             </a:lvl8pPr>
-            <a:lvl9pPr marL="6189025" indent="0">
-              <a:buNone/>
-              <a:defRPr sz="2700" b="1"/>
+            <a:lvl9pPr marL="6385072" indent="0">
+              <a:buNone/>
+              <a:defRPr sz="2800" b="1"/>
             </a:lvl9pPr>
           </a:lstStyle>
           <a:p>
@@ -1691,31 +1684,31 @@
           <a:bodyPr/>
           <a:lstStyle>
             <a:lvl1pPr>
-              <a:defRPr sz="4100"/>
+              <a:defRPr sz="4200"/>
             </a:lvl1pPr>
             <a:lvl2pPr>
-              <a:defRPr sz="3400"/>
+              <a:defRPr sz="3500"/>
             </a:lvl2pPr>
             <a:lvl3pPr>
-              <a:defRPr sz="3000"/>
+              <a:defRPr sz="3100"/>
             </a:lvl3pPr>
             <a:lvl4pPr>
-              <a:defRPr sz="2700"/>
+              <a:defRPr sz="2800"/>
             </a:lvl4pPr>
             <a:lvl5pPr>
-              <a:defRPr sz="2700"/>
+              <a:defRPr sz="2800"/>
             </a:lvl5pPr>
             <a:lvl6pPr>
-              <a:defRPr sz="2700"/>
+              <a:defRPr sz="2800"/>
             </a:lvl6pPr>
             <a:lvl7pPr>
-              <a:defRPr sz="2700"/>
+              <a:defRPr sz="2800"/>
             </a:lvl7pPr>
             <a:lvl8pPr>
-              <a:defRPr sz="2700"/>
+              <a:defRPr sz="2800"/>
             </a:lvl8pPr>
             <a:lvl9pPr>
-              <a:defRPr sz="2700"/>
+              <a:defRPr sz="2800"/>
             </a:lvl9pPr>
           </a:lstStyle>
           <a:p>
@@ -1771,9 +1764,9 @@
           <a:bodyPr/>
           <a:lstStyle/>
           <a:p>
-            <a:fld id="{4541083F-1CA6-4CD0-9E9F-83C48A142F8B}" type="datetimeFigureOut">
-              <a:rPr lang="zh-TW" altLang="en-US" smtClean="0"/>
-              <a:t>2017/3/28</a:t>
+            <a:fld id="{A64F573C-A01E-4407-A6FC-164B74FB2698}" type="datetimeFigureOut">
+              <a:rPr lang="zh-TW" altLang="en-US" smtClean="0"/>
+              <a:t>2017/4/4</a:t>
             </a:fld>
             <a:endParaRPr lang="zh-TW" altLang="en-US"/>
           </a:p>
@@ -1813,7 +1806,7 @@
           <a:bodyPr/>
           <a:lstStyle/>
           <a:p>
-            <a:fld id="{6A48B74D-F601-4CDF-A41C-9336870951E0}" type="slidenum">
+            <a:fld id="{C4BDA718-894D-43D1-8903-EE25A864AD38}" type="slidenum">
               <a:rPr lang="zh-TW" altLang="en-US" smtClean="0"/>
               <a:t>‹#›</a:t>
             </a:fld>
@@ -1824,7 +1817,7 @@
     </p:spTree>
     <p:extLst>
       <p:ext uri="{BB962C8B-B14F-4D97-AF65-F5344CB8AC3E}">
-        <p14:creationId xmlns:p14="http://schemas.microsoft.com/office/powerpoint/2010/main" val="1504118920"/>
+        <p14:creationId xmlns:p14="http://schemas.microsoft.com/office/powerpoint/2010/main" val="1381210641"/>
       </p:ext>
     </p:extLst>
   </p:cSld>
@@ -1889,9 +1882,9 @@
           <a:bodyPr/>
           <a:lstStyle/>
           <a:p>
-            <a:fld id="{4541083F-1CA6-4CD0-9E9F-83C48A142F8B}" type="datetimeFigureOut">
-              <a:rPr lang="zh-TW" altLang="en-US" smtClean="0"/>
-              <a:t>2017/3/28</a:t>
+            <a:fld id="{A64F573C-A01E-4407-A6FC-164B74FB2698}" type="datetimeFigureOut">
+              <a:rPr lang="zh-TW" altLang="en-US" smtClean="0"/>
+              <a:t>2017/4/4</a:t>
             </a:fld>
             <a:endParaRPr lang="zh-TW" altLang="en-US"/>
           </a:p>
@@ -1931,7 +1924,7 @@
           <a:bodyPr/>
           <a:lstStyle/>
           <a:p>
-            <a:fld id="{6A48B74D-F601-4CDF-A41C-9336870951E0}" type="slidenum">
+            <a:fld id="{C4BDA718-894D-43D1-8903-EE25A864AD38}" type="slidenum">
               <a:rPr lang="zh-TW" altLang="en-US" smtClean="0"/>
               <a:t>‹#›</a:t>
             </a:fld>
@@ -1942,7 +1935,7 @@
     </p:spTree>
     <p:extLst>
       <p:ext uri="{BB962C8B-B14F-4D97-AF65-F5344CB8AC3E}">
-        <p14:creationId xmlns:p14="http://schemas.microsoft.com/office/powerpoint/2010/main" val="160360798"/>
+        <p14:creationId xmlns:p14="http://schemas.microsoft.com/office/powerpoint/2010/main" val="4217026387"/>
       </p:ext>
     </p:extLst>
   </p:cSld>
@@ -1984,9 +1977,9 @@
           <a:bodyPr/>
           <a:lstStyle/>
           <a:p>
-            <a:fld id="{4541083F-1CA6-4CD0-9E9F-83C48A142F8B}" type="datetimeFigureOut">
-              <a:rPr lang="zh-TW" altLang="en-US" smtClean="0"/>
-              <a:t>2017/3/28</a:t>
+            <a:fld id="{A64F573C-A01E-4407-A6FC-164B74FB2698}" type="datetimeFigureOut">
+              <a:rPr lang="zh-TW" altLang="en-US" smtClean="0"/>
+              <a:t>2017/4/4</a:t>
             </a:fld>
             <a:endParaRPr lang="zh-TW" altLang="en-US"/>
           </a:p>
@@ -2026,7 +2019,7 @@
           <a:bodyPr/>
           <a:lstStyle/>
           <a:p>
-            <a:fld id="{6A48B74D-F601-4CDF-A41C-9336870951E0}" type="slidenum">
+            <a:fld id="{C4BDA718-894D-43D1-8903-EE25A864AD38}" type="slidenum">
               <a:rPr lang="zh-TW" altLang="en-US" smtClean="0"/>
               <a:t>‹#›</a:t>
             </a:fld>
@@ -2037,7 +2030,7 @@
     </p:spTree>
     <p:extLst>
       <p:ext uri="{BB962C8B-B14F-4D97-AF65-F5344CB8AC3E}">
-        <p14:creationId xmlns:p14="http://schemas.microsoft.com/office/powerpoint/2010/main" val="3809645995"/>
+        <p14:creationId xmlns:p14="http://schemas.microsoft.com/office/powerpoint/2010/main" val="45585802"/>
       </p:ext>
     </p:extLst>
   </p:cSld>
@@ -2076,7 +2069,7 @@
         </p:nvSpPr>
         <p:spPr>
           <a:xfrm>
-            <a:off x="609521" y="626878"/>
+            <a:off x="609521" y="626877"/>
             <a:ext cx="4010562" cy="2667873"/>
           </a:xfrm>
         </p:spPr>
@@ -2084,7 +2077,7 @@
           <a:bodyPr anchor="b"/>
           <a:lstStyle>
             <a:lvl1pPr algn="l">
-              <a:defRPr sz="3400" b="1"/>
+              <a:defRPr sz="3500" b="1"/>
             </a:lvl1pPr>
           </a:lstStyle>
           <a:p>
@@ -2108,7 +2101,7 @@
         </p:nvSpPr>
         <p:spPr>
           <a:xfrm>
-            <a:off x="4766114" y="626879"/>
+            <a:off x="4766113" y="626878"/>
             <a:ext cx="6814779" cy="13437772"/>
           </a:xfrm>
         </p:spPr>
@@ -2116,31 +2109,31 @@
           <a:bodyPr/>
           <a:lstStyle>
             <a:lvl1pPr>
-              <a:defRPr sz="5400"/>
+              <a:defRPr sz="5600"/>
             </a:lvl1pPr>
             <a:lvl2pPr>
-              <a:defRPr sz="4700"/>
+              <a:defRPr sz="4900"/>
             </a:lvl2pPr>
             <a:lvl3pPr>
-              <a:defRPr sz="4100"/>
+              <a:defRPr sz="4200"/>
             </a:lvl3pPr>
             <a:lvl4pPr>
-              <a:defRPr sz="3400"/>
+              <a:defRPr sz="3500"/>
             </a:lvl4pPr>
             <a:lvl5pPr>
-              <a:defRPr sz="3400"/>
+              <a:defRPr sz="3500"/>
             </a:lvl5pPr>
             <a:lvl6pPr>
-              <a:defRPr sz="3400"/>
+              <a:defRPr sz="3500"/>
             </a:lvl6pPr>
             <a:lvl7pPr>
-              <a:defRPr sz="3400"/>
+              <a:defRPr sz="3500"/>
             </a:lvl7pPr>
             <a:lvl8pPr>
-              <a:defRPr sz="3400"/>
+              <a:defRPr sz="3500"/>
             </a:lvl8pPr>
             <a:lvl9pPr>
-              <a:defRPr sz="3400"/>
+              <a:defRPr sz="3500"/>
             </a:lvl9pPr>
           </a:lstStyle>
           <a:p>
@@ -2193,7 +2186,7 @@
         </p:nvSpPr>
         <p:spPr>
           <a:xfrm>
-            <a:off x="609521" y="3294752"/>
+            <a:off x="609521" y="3294751"/>
             <a:ext cx="4010562" cy="10769899"/>
           </a:xfrm>
         </p:spPr>
@@ -2204,37 +2197,37 @@
               <a:buNone/>
               <a:defRPr sz="2400"/>
             </a:lvl1pPr>
-            <a:lvl2pPr marL="773628" indent="0">
-              <a:buNone/>
-              <a:defRPr sz="2000"/>
+            <a:lvl2pPr marL="798134" indent="0">
+              <a:buNone/>
+              <a:defRPr sz="2100"/>
             </a:lvl2pPr>
-            <a:lvl3pPr marL="1547256" indent="0">
+            <a:lvl3pPr marL="1596268" indent="0">
               <a:buNone/>
               <a:defRPr sz="1700"/>
             </a:lvl3pPr>
-            <a:lvl4pPr marL="2320884" indent="0">
-              <a:buNone/>
-              <a:defRPr sz="1500"/>
+            <a:lvl4pPr marL="2394402" indent="0">
+              <a:buNone/>
+              <a:defRPr sz="1600"/>
             </a:lvl4pPr>
-            <a:lvl5pPr marL="3094512" indent="0">
-              <a:buNone/>
-              <a:defRPr sz="1500"/>
+            <a:lvl5pPr marL="3192536" indent="0">
+              <a:buNone/>
+              <a:defRPr sz="1600"/>
             </a:lvl5pPr>
-            <a:lvl6pPr marL="3868141" indent="0">
-              <a:buNone/>
-              <a:defRPr sz="1500"/>
+            <a:lvl6pPr marL="3990670" indent="0">
+              <a:buNone/>
+              <a:defRPr sz="1600"/>
             </a:lvl6pPr>
-            <a:lvl7pPr marL="4641769" indent="0">
-              <a:buNone/>
-              <a:defRPr sz="1500"/>
+            <a:lvl7pPr marL="4788804" indent="0">
+              <a:buNone/>
+              <a:defRPr sz="1600"/>
             </a:lvl7pPr>
-            <a:lvl8pPr marL="5415397" indent="0">
-              <a:buNone/>
-              <a:defRPr sz="1500"/>
+            <a:lvl8pPr marL="5586938" indent="0">
+              <a:buNone/>
+              <a:defRPr sz="1600"/>
             </a:lvl8pPr>
-            <a:lvl9pPr marL="6189025" indent="0">
-              <a:buNone/>
-              <a:defRPr sz="1500"/>
+            <a:lvl9pPr marL="6385072" indent="0">
+              <a:buNone/>
+              <a:defRPr sz="1600"/>
             </a:lvl9pPr>
           </a:lstStyle>
           <a:p>
@@ -2261,9 +2254,9 @@
           <a:bodyPr/>
           <a:lstStyle/>
           <a:p>
-            <a:fld id="{4541083F-1CA6-4CD0-9E9F-83C48A142F8B}" type="datetimeFigureOut">
-              <a:rPr lang="zh-TW" altLang="en-US" smtClean="0"/>
-              <a:t>2017/3/28</a:t>
+            <a:fld id="{A64F573C-A01E-4407-A6FC-164B74FB2698}" type="datetimeFigureOut">
+              <a:rPr lang="zh-TW" altLang="en-US" smtClean="0"/>
+              <a:t>2017/4/4</a:t>
             </a:fld>
             <a:endParaRPr lang="zh-TW" altLang="en-US"/>
           </a:p>
@@ -2303,7 +2296,7 @@
           <a:bodyPr/>
           <a:lstStyle/>
           <a:p>
-            <a:fld id="{6A48B74D-F601-4CDF-A41C-9336870951E0}" type="slidenum">
+            <a:fld id="{C4BDA718-894D-43D1-8903-EE25A864AD38}" type="slidenum">
               <a:rPr lang="zh-TW" altLang="en-US" smtClean="0"/>
               <a:t>‹#›</a:t>
             </a:fld>
@@ -2314,7 +2307,7 @@
     </p:spTree>
     <p:extLst>
       <p:ext uri="{BB962C8B-B14F-4D97-AF65-F5344CB8AC3E}">
-        <p14:creationId xmlns:p14="http://schemas.microsoft.com/office/powerpoint/2010/main" val="3347461819"/>
+        <p14:creationId xmlns:p14="http://schemas.microsoft.com/office/powerpoint/2010/main" val="2064520154"/>
       </p:ext>
     </p:extLst>
   </p:cSld>
@@ -2361,7 +2354,7 @@
           <a:bodyPr anchor="b"/>
           <a:lstStyle>
             <a:lvl1pPr algn="l">
-              <a:defRPr sz="3400" b="1"/>
+              <a:defRPr sz="3500" b="1"/>
             </a:lvl1pPr>
           </a:lstStyle>
           <a:p>
@@ -2394,39 +2387,39 @@
           <a:lstStyle>
             <a:lvl1pPr marL="0" indent="0">
               <a:buNone/>
-              <a:defRPr sz="5400"/>
+              <a:defRPr sz="5600"/>
             </a:lvl1pPr>
-            <a:lvl2pPr marL="773628" indent="0">
-              <a:buNone/>
-              <a:defRPr sz="4700"/>
+            <a:lvl2pPr marL="798134" indent="0">
+              <a:buNone/>
+              <a:defRPr sz="4900"/>
             </a:lvl2pPr>
-            <a:lvl3pPr marL="1547256" indent="0">
-              <a:buNone/>
-              <a:defRPr sz="4100"/>
+            <a:lvl3pPr marL="1596268" indent="0">
+              <a:buNone/>
+              <a:defRPr sz="4200"/>
             </a:lvl3pPr>
-            <a:lvl4pPr marL="2320884" indent="0">
-              <a:buNone/>
-              <a:defRPr sz="3400"/>
+            <a:lvl4pPr marL="2394402" indent="0">
+              <a:buNone/>
+              <a:defRPr sz="3500"/>
             </a:lvl4pPr>
-            <a:lvl5pPr marL="3094512" indent="0">
-              <a:buNone/>
-              <a:defRPr sz="3400"/>
+            <a:lvl5pPr marL="3192536" indent="0">
+              <a:buNone/>
+              <a:defRPr sz="3500"/>
             </a:lvl5pPr>
-            <a:lvl6pPr marL="3868141" indent="0">
-              <a:buNone/>
-              <a:defRPr sz="3400"/>
+            <a:lvl6pPr marL="3990670" indent="0">
+              <a:buNone/>
+              <a:defRPr sz="3500"/>
             </a:lvl6pPr>
-            <a:lvl7pPr marL="4641769" indent="0">
-              <a:buNone/>
-              <a:defRPr sz="3400"/>
+            <a:lvl7pPr marL="4788804" indent="0">
+              <a:buNone/>
+              <a:defRPr sz="3500"/>
             </a:lvl7pPr>
-            <a:lvl8pPr marL="5415397" indent="0">
-              <a:buNone/>
-              <a:defRPr sz="3400"/>
+            <a:lvl8pPr marL="5586938" indent="0">
+              <a:buNone/>
+              <a:defRPr sz="3500"/>
             </a:lvl8pPr>
-            <a:lvl9pPr marL="6189025" indent="0">
-              <a:buNone/>
-              <a:defRPr sz="3400"/>
+            <a:lvl9pPr marL="6385072" indent="0">
+              <a:buNone/>
+              <a:defRPr sz="3500"/>
             </a:lvl9pPr>
           </a:lstStyle>
           <a:p>
@@ -2446,7 +2439,7 @@
         </p:nvSpPr>
         <p:spPr>
           <a:xfrm>
-            <a:off x="2389406" y="12322514"/>
+            <a:off x="2389406" y="12322513"/>
             <a:ext cx="7314248" cy="1847829"/>
           </a:xfrm>
         </p:spPr>
@@ -2457,37 +2450,37 @@
               <a:buNone/>
               <a:defRPr sz="2400"/>
             </a:lvl1pPr>
-            <a:lvl2pPr marL="773628" indent="0">
-              <a:buNone/>
-              <a:defRPr sz="2000"/>
+            <a:lvl2pPr marL="798134" indent="0">
+              <a:buNone/>
+              <a:defRPr sz="2100"/>
             </a:lvl2pPr>
-            <a:lvl3pPr marL="1547256" indent="0">
+            <a:lvl3pPr marL="1596268" indent="0">
               <a:buNone/>
               <a:defRPr sz="1700"/>
             </a:lvl3pPr>
-            <a:lvl4pPr marL="2320884" indent="0">
-              <a:buNone/>
-              <a:defRPr sz="1500"/>
+            <a:lvl4pPr marL="2394402" indent="0">
+              <a:buNone/>
+              <a:defRPr sz="1600"/>
             </a:lvl4pPr>
-            <a:lvl5pPr marL="3094512" indent="0">
-              <a:buNone/>
-              <a:defRPr sz="1500"/>
+            <a:lvl5pPr marL="3192536" indent="0">
+              <a:buNone/>
+              <a:defRPr sz="1600"/>
             </a:lvl5pPr>
-            <a:lvl6pPr marL="3868141" indent="0">
-              <a:buNone/>
-              <a:defRPr sz="1500"/>
+            <a:lvl6pPr marL="3990670" indent="0">
+              <a:buNone/>
+              <a:defRPr sz="1600"/>
             </a:lvl6pPr>
-            <a:lvl7pPr marL="4641769" indent="0">
-              <a:buNone/>
-              <a:defRPr sz="1500"/>
+            <a:lvl7pPr marL="4788804" indent="0">
+              <a:buNone/>
+              <a:defRPr sz="1600"/>
             </a:lvl7pPr>
-            <a:lvl8pPr marL="5415397" indent="0">
-              <a:buNone/>
-              <a:defRPr sz="1500"/>
+            <a:lvl8pPr marL="5586938" indent="0">
+              <a:buNone/>
+              <a:defRPr sz="1600"/>
             </a:lvl8pPr>
-            <a:lvl9pPr marL="6189025" indent="0">
-              <a:buNone/>
-              <a:defRPr sz="1500"/>
+            <a:lvl9pPr marL="6385072" indent="0">
+              <a:buNone/>
+              <a:defRPr sz="1600"/>
             </a:lvl9pPr>
           </a:lstStyle>
           <a:p>
@@ -2514,9 +2507,9 @@
           <a:bodyPr/>
           <a:lstStyle/>
           <a:p>
-            <a:fld id="{4541083F-1CA6-4CD0-9E9F-83C48A142F8B}" type="datetimeFigureOut">
-              <a:rPr lang="zh-TW" altLang="en-US" smtClean="0"/>
-              <a:t>2017/3/28</a:t>
+            <a:fld id="{A64F573C-A01E-4407-A6FC-164B74FB2698}" type="datetimeFigureOut">
+              <a:rPr lang="zh-TW" altLang="en-US" smtClean="0"/>
+              <a:t>2017/4/4</a:t>
             </a:fld>
             <a:endParaRPr lang="zh-TW" altLang="en-US"/>
           </a:p>
@@ -2556,7 +2549,7 @@
           <a:bodyPr/>
           <a:lstStyle/>
           <a:p>
-            <a:fld id="{6A48B74D-F601-4CDF-A41C-9336870951E0}" type="slidenum">
+            <a:fld id="{C4BDA718-894D-43D1-8903-EE25A864AD38}" type="slidenum">
               <a:rPr lang="zh-TW" altLang="en-US" smtClean="0"/>
               <a:t>‹#›</a:t>
             </a:fld>
@@ -2567,7 +2560,7 @@
     </p:spTree>
     <p:extLst>
       <p:ext uri="{BB962C8B-B14F-4D97-AF65-F5344CB8AC3E}">
-        <p14:creationId xmlns:p14="http://schemas.microsoft.com/office/powerpoint/2010/main" val="3402691085"/>
+        <p14:creationId xmlns:p14="http://schemas.microsoft.com/office/powerpoint/2010/main" val="4257114246"/>
       </p:ext>
     </p:extLst>
   </p:cSld>
@@ -2619,7 +2612,7 @@
           </a:prstGeom>
         </p:spPr>
         <p:txBody>
-          <a:bodyPr vert="horz" lIns="154726" tIns="77363" rIns="154726" bIns="77363" rtlCol="0" anchor="ctr">
+          <a:bodyPr vert="horz" lIns="159627" tIns="79813" rIns="159627" bIns="79813" rtlCol="0" anchor="ctr">
             <a:normAutofit/>
           </a:bodyPr>
           <a:lstStyle/>
@@ -2644,15 +2637,15 @@
         </p:nvSpPr>
         <p:spPr>
           <a:xfrm>
-            <a:off x="609521" y="3673795"/>
-            <a:ext cx="10971372" cy="10390856"/>
+            <a:off x="609521" y="3673794"/>
+            <a:ext cx="10971372" cy="10390857"/>
           </a:xfrm>
           <a:prstGeom prst="rect">
             <a:avLst/>
           </a:prstGeom>
         </p:spPr>
         <p:txBody>
-          <a:bodyPr vert="horz" lIns="154726" tIns="77363" rIns="154726" bIns="77363" rtlCol="0">
+          <a:bodyPr vert="horz" lIns="159627" tIns="79813" rIns="159627" bIns="79813" rtlCol="0">
             <a:normAutofit/>
           </a:bodyPr>
           <a:lstStyle/>
@@ -2707,17 +2700,17 @@
         <p:spPr>
           <a:xfrm>
             <a:off x="609521" y="14593121"/>
-            <a:ext cx="2844430" cy="838267"/>
+            <a:ext cx="2844430" cy="838266"/>
           </a:xfrm>
           <a:prstGeom prst="rect">
             <a:avLst/>
           </a:prstGeom>
         </p:spPr>
         <p:txBody>
-          <a:bodyPr vert="horz" lIns="154726" tIns="77363" rIns="154726" bIns="77363" rtlCol="0" anchor="ctr"/>
+          <a:bodyPr vert="horz" lIns="159627" tIns="79813" rIns="159627" bIns="79813" rtlCol="0" anchor="ctr"/>
           <a:lstStyle>
             <a:lvl1pPr algn="l">
-              <a:defRPr sz="2000">
+              <a:defRPr sz="2100">
                 <a:solidFill>
                   <a:schemeClr val="tx1">
                     <a:tint val="75000"/>
@@ -2727,9 +2720,9 @@
             </a:lvl1pPr>
           </a:lstStyle>
           <a:p>
-            <a:fld id="{4541083F-1CA6-4CD0-9E9F-83C48A142F8B}" type="datetimeFigureOut">
-              <a:rPr lang="zh-TW" altLang="en-US" smtClean="0"/>
-              <a:t>2017/3/28</a:t>
+            <a:fld id="{A64F573C-A01E-4407-A6FC-164B74FB2698}" type="datetimeFigureOut">
+              <a:rPr lang="zh-TW" altLang="en-US" smtClean="0"/>
+              <a:t>2017/4/4</a:t>
             </a:fld>
             <a:endParaRPr lang="zh-TW" altLang="en-US"/>
           </a:p>
@@ -2747,18 +2740,18 @@
         </p:nvSpPr>
         <p:spPr>
           <a:xfrm>
-            <a:off x="4165059" y="14593121"/>
-            <a:ext cx="3860297" cy="838267"/>
+            <a:off x="4165058" y="14593121"/>
+            <a:ext cx="3860297" cy="838266"/>
           </a:xfrm>
           <a:prstGeom prst="rect">
             <a:avLst/>
           </a:prstGeom>
         </p:spPr>
         <p:txBody>
-          <a:bodyPr vert="horz" lIns="154726" tIns="77363" rIns="154726" bIns="77363" rtlCol="0" anchor="ctr"/>
+          <a:bodyPr vert="horz" lIns="159627" tIns="79813" rIns="159627" bIns="79813" rtlCol="0" anchor="ctr"/>
           <a:lstStyle>
             <a:lvl1pPr algn="ctr">
-              <a:defRPr sz="2000">
+              <a:defRPr sz="2100">
                 <a:solidFill>
                   <a:schemeClr val="tx1">
                     <a:tint val="75000"/>
@@ -2785,17 +2778,17 @@
         <p:spPr>
           <a:xfrm>
             <a:off x="8736463" y="14593121"/>
-            <a:ext cx="2844430" cy="838267"/>
+            <a:ext cx="2844430" cy="838266"/>
           </a:xfrm>
           <a:prstGeom prst="rect">
             <a:avLst/>
           </a:prstGeom>
         </p:spPr>
         <p:txBody>
-          <a:bodyPr vert="horz" lIns="154726" tIns="77363" rIns="154726" bIns="77363" rtlCol="0" anchor="ctr"/>
+          <a:bodyPr vert="horz" lIns="159627" tIns="79813" rIns="159627" bIns="79813" rtlCol="0" anchor="ctr"/>
           <a:lstStyle>
             <a:lvl1pPr algn="r">
-              <a:defRPr sz="2000">
+              <a:defRPr sz="2100">
                 <a:solidFill>
                   <a:schemeClr val="tx1">
                     <a:tint val="75000"/>
@@ -2805,7 +2798,7 @@
             </a:lvl1pPr>
           </a:lstStyle>
           <a:p>
-            <a:fld id="{6A48B74D-F601-4CDF-A41C-9336870951E0}" type="slidenum">
+            <a:fld id="{C4BDA718-894D-43D1-8903-EE25A864AD38}" type="slidenum">
               <a:rPr lang="zh-TW" altLang="en-US" smtClean="0"/>
               <a:t>‹#›</a:t>
             </a:fld>
@@ -2816,7 +2809,7 @@
     </p:spTree>
     <p:extLst>
       <p:ext uri="{BB962C8B-B14F-4D97-AF65-F5344CB8AC3E}">
-        <p14:creationId xmlns:p14="http://schemas.microsoft.com/office/powerpoint/2010/main" val="3193413051"/>
+        <p14:creationId xmlns:p14="http://schemas.microsoft.com/office/powerpoint/2010/main" val="3811814736"/>
       </p:ext>
     </p:extLst>
   </p:cSld>
@@ -2836,12 +2829,12 @@
   </p:sldLayoutIdLst>
   <p:txStyles>
     <p:titleStyle>
-      <a:lvl1pPr algn="ctr" defTabSz="1547256" rtl="0" eaLnBrk="1" latinLnBrk="0" hangingPunct="1">
+      <a:lvl1pPr algn="ctr" defTabSz="1596268" rtl="0" eaLnBrk="1" latinLnBrk="0" hangingPunct="1">
         <a:spcBef>
           <a:spcPct val="0"/>
         </a:spcBef>
         <a:buNone/>
-        <a:defRPr sz="7400" kern="1200">
+        <a:defRPr sz="7700" kern="1200">
           <a:solidFill>
             <a:schemeClr val="tx1"/>
           </a:solidFill>
@@ -2852,13 +2845,13 @@
       </a:lvl1pPr>
     </p:titleStyle>
     <p:bodyStyle>
-      <a:lvl1pPr marL="580221" indent="-580221" algn="l" defTabSz="1547256" rtl="0" eaLnBrk="1" latinLnBrk="0" hangingPunct="1">
+      <a:lvl1pPr marL="598601" indent="-598601" algn="l" defTabSz="1596268" rtl="0" eaLnBrk="1" latinLnBrk="0" hangingPunct="1">
         <a:spcBef>
           <a:spcPct val="20000"/>
         </a:spcBef>
         <a:buFont typeface="Arial" panose="020B0604020202020204" pitchFamily="34" charset="0"/>
         <a:buChar char="•"/>
-        <a:defRPr sz="5400" kern="1200">
+        <a:defRPr sz="5600" kern="1200">
           <a:solidFill>
             <a:schemeClr val="tx1"/>
           </a:solidFill>
@@ -2867,13 +2860,13 @@
           <a:cs typeface="+mn-cs"/>
         </a:defRPr>
       </a:lvl1pPr>
-      <a:lvl2pPr marL="1257146" indent="-483518" algn="l" defTabSz="1547256" rtl="0" eaLnBrk="1" latinLnBrk="0" hangingPunct="1">
+      <a:lvl2pPr marL="1296968" indent="-498834" algn="l" defTabSz="1596268" rtl="0" eaLnBrk="1" latinLnBrk="0" hangingPunct="1">
         <a:spcBef>
           <a:spcPct val="20000"/>
         </a:spcBef>
         <a:buFont typeface="Arial" panose="020B0604020202020204" pitchFamily="34" charset="0"/>
         <a:buChar char="–"/>
-        <a:defRPr sz="4700" kern="1200">
+        <a:defRPr sz="4900" kern="1200">
           <a:solidFill>
             <a:schemeClr val="tx1"/>
           </a:solidFill>
@@ -2882,13 +2875,13 @@
           <a:cs typeface="+mn-cs"/>
         </a:defRPr>
       </a:lvl2pPr>
-      <a:lvl3pPr marL="1934070" indent="-386814" algn="l" defTabSz="1547256" rtl="0" eaLnBrk="1" latinLnBrk="0" hangingPunct="1">
+      <a:lvl3pPr marL="1995335" indent="-399067" algn="l" defTabSz="1596268" rtl="0" eaLnBrk="1" latinLnBrk="0" hangingPunct="1">
         <a:spcBef>
           <a:spcPct val="20000"/>
         </a:spcBef>
         <a:buFont typeface="Arial" panose="020B0604020202020204" pitchFamily="34" charset="0"/>
         <a:buChar char="•"/>
-        <a:defRPr sz="4100" kern="1200">
+        <a:defRPr sz="4200" kern="1200">
           <a:solidFill>
             <a:schemeClr val="tx1"/>
           </a:solidFill>
@@ -2897,13 +2890,13 @@
           <a:cs typeface="+mn-cs"/>
         </a:defRPr>
       </a:lvl3pPr>
-      <a:lvl4pPr marL="2707698" indent="-386814" algn="l" defTabSz="1547256" rtl="0" eaLnBrk="1" latinLnBrk="0" hangingPunct="1">
+      <a:lvl4pPr marL="2793469" indent="-399067" algn="l" defTabSz="1596268" rtl="0" eaLnBrk="1" latinLnBrk="0" hangingPunct="1">
         <a:spcBef>
           <a:spcPct val="20000"/>
         </a:spcBef>
         <a:buFont typeface="Arial" panose="020B0604020202020204" pitchFamily="34" charset="0"/>
         <a:buChar char="–"/>
-        <a:defRPr sz="3400" kern="1200">
+        <a:defRPr sz="3500" kern="1200">
           <a:solidFill>
             <a:schemeClr val="tx1"/>
           </a:solidFill>
@@ -2912,13 +2905,13 @@
           <a:cs typeface="+mn-cs"/>
         </a:defRPr>
       </a:lvl4pPr>
-      <a:lvl5pPr marL="3481327" indent="-386814" algn="l" defTabSz="1547256" rtl="0" eaLnBrk="1" latinLnBrk="0" hangingPunct="1">
+      <a:lvl5pPr marL="3591603" indent="-399067" algn="l" defTabSz="1596268" rtl="0" eaLnBrk="1" latinLnBrk="0" hangingPunct="1">
         <a:spcBef>
           <a:spcPct val="20000"/>
         </a:spcBef>
         <a:buFont typeface="Arial" panose="020B0604020202020204" pitchFamily="34" charset="0"/>
         <a:buChar char="»"/>
-        <a:defRPr sz="3400" kern="1200">
+        <a:defRPr sz="3500" kern="1200">
           <a:solidFill>
             <a:schemeClr val="tx1"/>
           </a:solidFill>
@@ -2927,13 +2920,13 @@
           <a:cs typeface="+mn-cs"/>
         </a:defRPr>
       </a:lvl5pPr>
-      <a:lvl6pPr marL="4254955" indent="-386814" algn="l" defTabSz="1547256" rtl="0" eaLnBrk="1" latinLnBrk="0" hangingPunct="1">
+      <a:lvl6pPr marL="4389737" indent="-399067" algn="l" defTabSz="1596268" rtl="0" eaLnBrk="1" latinLnBrk="0" hangingPunct="1">
         <a:spcBef>
           <a:spcPct val="20000"/>
         </a:spcBef>
         <a:buFont typeface="Arial" panose="020B0604020202020204" pitchFamily="34" charset="0"/>
         <a:buChar char="•"/>
-        <a:defRPr sz="3400" kern="1200">
+        <a:defRPr sz="3500" kern="1200">
           <a:solidFill>
             <a:schemeClr val="tx1"/>
           </a:solidFill>
@@ -2942,13 +2935,13 @@
           <a:cs typeface="+mn-cs"/>
         </a:defRPr>
       </a:lvl6pPr>
-      <a:lvl7pPr marL="5028583" indent="-386814" algn="l" defTabSz="1547256" rtl="0" eaLnBrk="1" latinLnBrk="0" hangingPunct="1">
+      <a:lvl7pPr marL="5187871" indent="-399067" algn="l" defTabSz="1596268" rtl="0" eaLnBrk="1" latinLnBrk="0" hangingPunct="1">
         <a:spcBef>
           <a:spcPct val="20000"/>
         </a:spcBef>
         <a:buFont typeface="Arial" panose="020B0604020202020204" pitchFamily="34" charset="0"/>
         <a:buChar char="•"/>
-        <a:defRPr sz="3400" kern="1200">
+        <a:defRPr sz="3500" kern="1200">
           <a:solidFill>
             <a:schemeClr val="tx1"/>
           </a:solidFill>
@@ -2957,13 +2950,13 @@
           <a:cs typeface="+mn-cs"/>
         </a:defRPr>
       </a:lvl7pPr>
-      <a:lvl8pPr marL="5802211" indent="-386814" algn="l" defTabSz="1547256" rtl="0" eaLnBrk="1" latinLnBrk="0" hangingPunct="1">
+      <a:lvl8pPr marL="5986005" indent="-399067" algn="l" defTabSz="1596268" rtl="0" eaLnBrk="1" latinLnBrk="0" hangingPunct="1">
         <a:spcBef>
           <a:spcPct val="20000"/>
         </a:spcBef>
         <a:buFont typeface="Arial" panose="020B0604020202020204" pitchFamily="34" charset="0"/>
         <a:buChar char="•"/>
-        <a:defRPr sz="3400" kern="1200">
+        <a:defRPr sz="3500" kern="1200">
           <a:solidFill>
             <a:schemeClr val="tx1"/>
           </a:solidFill>
@@ -2972,13 +2965,13 @@
           <a:cs typeface="+mn-cs"/>
         </a:defRPr>
       </a:lvl8pPr>
-      <a:lvl9pPr marL="6575839" indent="-386814" algn="l" defTabSz="1547256" rtl="0" eaLnBrk="1" latinLnBrk="0" hangingPunct="1">
+      <a:lvl9pPr marL="6784139" indent="-399067" algn="l" defTabSz="1596268" rtl="0" eaLnBrk="1" latinLnBrk="0" hangingPunct="1">
         <a:spcBef>
           <a:spcPct val="20000"/>
         </a:spcBef>
         <a:buFont typeface="Arial" panose="020B0604020202020204" pitchFamily="34" charset="0"/>
         <a:buChar char="•"/>
-        <a:defRPr sz="3400" kern="1200">
+        <a:defRPr sz="3500" kern="1200">
           <a:solidFill>
             <a:schemeClr val="tx1"/>
           </a:solidFill>
@@ -2992,8 +2985,8 @@
       <a:defPPr>
         <a:defRPr lang="zh-TW"/>
       </a:defPPr>
-      <a:lvl1pPr marL="0" algn="l" defTabSz="1547256" rtl="0" eaLnBrk="1" latinLnBrk="0" hangingPunct="1">
-        <a:defRPr sz="3000" kern="1200">
+      <a:lvl1pPr marL="0" algn="l" defTabSz="1596268" rtl="0" eaLnBrk="1" latinLnBrk="0" hangingPunct="1">
+        <a:defRPr sz="3100" kern="1200">
           <a:solidFill>
             <a:schemeClr val="tx1"/>
           </a:solidFill>
@@ -3002,8 +2995,8 @@
           <a:cs typeface="+mn-cs"/>
         </a:defRPr>
       </a:lvl1pPr>
-      <a:lvl2pPr marL="773628" algn="l" defTabSz="1547256" rtl="0" eaLnBrk="1" latinLnBrk="0" hangingPunct="1">
-        <a:defRPr sz="3000" kern="1200">
+      <a:lvl2pPr marL="798134" algn="l" defTabSz="1596268" rtl="0" eaLnBrk="1" latinLnBrk="0" hangingPunct="1">
+        <a:defRPr sz="3100" kern="1200">
           <a:solidFill>
             <a:schemeClr val="tx1"/>
           </a:solidFill>
@@ -3012,8 +3005,8 @@
           <a:cs typeface="+mn-cs"/>
         </a:defRPr>
       </a:lvl2pPr>
-      <a:lvl3pPr marL="1547256" algn="l" defTabSz="1547256" rtl="0" eaLnBrk="1" latinLnBrk="0" hangingPunct="1">
-        <a:defRPr sz="3000" kern="1200">
+      <a:lvl3pPr marL="1596268" algn="l" defTabSz="1596268" rtl="0" eaLnBrk="1" latinLnBrk="0" hangingPunct="1">
+        <a:defRPr sz="3100" kern="1200">
           <a:solidFill>
             <a:schemeClr val="tx1"/>
           </a:solidFill>
@@ -3022,8 +3015,8 @@
           <a:cs typeface="+mn-cs"/>
         </a:defRPr>
       </a:lvl3pPr>
-      <a:lvl4pPr marL="2320884" algn="l" defTabSz="1547256" rtl="0" eaLnBrk="1" latinLnBrk="0" hangingPunct="1">
-        <a:defRPr sz="3000" kern="1200">
+      <a:lvl4pPr marL="2394402" algn="l" defTabSz="1596268" rtl="0" eaLnBrk="1" latinLnBrk="0" hangingPunct="1">
+        <a:defRPr sz="3100" kern="1200">
           <a:solidFill>
             <a:schemeClr val="tx1"/>
           </a:solidFill>
@@ -3032,8 +3025,8 @@
           <a:cs typeface="+mn-cs"/>
         </a:defRPr>
       </a:lvl4pPr>
-      <a:lvl5pPr marL="3094512" algn="l" defTabSz="1547256" rtl="0" eaLnBrk="1" latinLnBrk="0" hangingPunct="1">
-        <a:defRPr sz="3000" kern="1200">
+      <a:lvl5pPr marL="3192536" algn="l" defTabSz="1596268" rtl="0" eaLnBrk="1" latinLnBrk="0" hangingPunct="1">
+        <a:defRPr sz="3100" kern="1200">
           <a:solidFill>
             <a:schemeClr val="tx1"/>
           </a:solidFill>
@@ -3042,8 +3035,8 @@
           <a:cs typeface="+mn-cs"/>
         </a:defRPr>
       </a:lvl5pPr>
-      <a:lvl6pPr marL="3868141" algn="l" defTabSz="1547256" rtl="0" eaLnBrk="1" latinLnBrk="0" hangingPunct="1">
-        <a:defRPr sz="3000" kern="1200">
+      <a:lvl6pPr marL="3990670" algn="l" defTabSz="1596268" rtl="0" eaLnBrk="1" latinLnBrk="0" hangingPunct="1">
+        <a:defRPr sz="3100" kern="1200">
           <a:solidFill>
             <a:schemeClr val="tx1"/>
           </a:solidFill>
@@ -3052,8 +3045,8 @@
           <a:cs typeface="+mn-cs"/>
         </a:defRPr>
       </a:lvl6pPr>
-      <a:lvl7pPr marL="4641769" algn="l" defTabSz="1547256" rtl="0" eaLnBrk="1" latinLnBrk="0" hangingPunct="1">
-        <a:defRPr sz="3000" kern="1200">
+      <a:lvl7pPr marL="4788804" algn="l" defTabSz="1596268" rtl="0" eaLnBrk="1" latinLnBrk="0" hangingPunct="1">
+        <a:defRPr sz="3100" kern="1200">
           <a:solidFill>
             <a:schemeClr val="tx1"/>
           </a:solidFill>
@@ -3062,8 +3055,8 @@
           <a:cs typeface="+mn-cs"/>
         </a:defRPr>
       </a:lvl7pPr>
-      <a:lvl8pPr marL="5415397" algn="l" defTabSz="1547256" rtl="0" eaLnBrk="1" latinLnBrk="0" hangingPunct="1">
-        <a:defRPr sz="3000" kern="1200">
+      <a:lvl8pPr marL="5586938" algn="l" defTabSz="1596268" rtl="0" eaLnBrk="1" latinLnBrk="0" hangingPunct="1">
+        <a:defRPr sz="3100" kern="1200">
           <a:solidFill>
             <a:schemeClr val="tx1"/>
           </a:solidFill>
@@ -3072,8 +3065,8 @@
           <a:cs typeface="+mn-cs"/>
         </a:defRPr>
       </a:lvl8pPr>
-      <a:lvl9pPr marL="6189025" algn="l" defTabSz="1547256" rtl="0" eaLnBrk="1" latinLnBrk="0" hangingPunct="1">
-        <a:defRPr sz="3000" kern="1200">
+      <a:lvl9pPr marL="6385072" algn="l" defTabSz="1596268" rtl="0" eaLnBrk="1" latinLnBrk="0" hangingPunct="1">
+        <a:defRPr sz="3100" kern="1200">
           <a:solidFill>
             <a:schemeClr val="tx1"/>
           </a:solidFill>
@@ -3127,8 +3120,8 @@
         </p:blipFill>
         <p:spPr bwMode="auto">
           <a:xfrm>
-            <a:off x="0" y="17672"/>
-            <a:ext cx="12190413" cy="15742774"/>
+            <a:off x="-1" y="0"/>
+            <a:ext cx="12191999" cy="15744825"/>
           </a:xfrm>
           <a:prstGeom prst="rect">
             <a:avLst/>
@@ -3148,20 +3141,13 @@
     </p:spTree>
     <p:extLst>
       <p:ext uri="{BB962C8B-B14F-4D97-AF65-F5344CB8AC3E}">
-        <p14:creationId xmlns:p14="http://schemas.microsoft.com/office/powerpoint/2010/main" val="2956643899"/>
+        <p14:creationId xmlns:p14="http://schemas.microsoft.com/office/powerpoint/2010/main" val="929485243"/>
       </p:ext>
     </p:extLst>
   </p:cSld>
   <p:clrMapOvr>
     <a:masterClrMapping/>
   </p:clrMapOvr>
-  <p:timing>
-    <p:tnLst>
-      <p:par>
-        <p:cTn id="1" dur="indefinite" restart="never" nodeType="tmRoot"/>
-      </p:par>
-    </p:tnLst>
-  </p:timing>
 </p:sld>
 </file>
 
@@ -3182,47 +3168,9 @@
           <a:chExt cx="0" cy="0"/>
         </a:xfrm>
       </p:grpSpPr>
-      <p:sp>
-        <p:nvSpPr>
-          <p:cNvPr id="2" name="標題 1"/>
-          <p:cNvSpPr>
-            <a:spLocks noGrp="1"/>
-          </p:cNvSpPr>
-          <p:nvPr>
-            <p:ph type="title"/>
-          </p:nvPr>
-        </p:nvSpPr>
-        <p:spPr/>
-        <p:txBody>
-          <a:bodyPr/>
-          <a:lstStyle/>
-          <a:p>
-            <a:endParaRPr lang="zh-TW" altLang="en-US"/>
-          </a:p>
-        </p:txBody>
-      </p:sp>
-      <p:sp>
-        <p:nvSpPr>
-          <p:cNvPr id="3" name="內容版面配置區 2"/>
-          <p:cNvSpPr>
-            <a:spLocks noGrp="1"/>
-          </p:cNvSpPr>
-          <p:nvPr>
-            <p:ph idx="1"/>
-          </p:nvPr>
-        </p:nvSpPr>
-        <p:spPr/>
-        <p:txBody>
-          <a:bodyPr/>
-          <a:lstStyle/>
-          <a:p>
-            <a:endParaRPr lang="zh-TW" altLang="en-US"/>
-          </a:p>
-        </p:txBody>
-      </p:sp>
       <p:pic>
         <p:nvPicPr>
-          <p:cNvPr id="2051" name="Picture 3" descr="D:\網頁設計\HW5\New Mockup 1.png"/>
+          <p:cNvPr id="2050" name="Picture 2" descr="D:\網頁設計\HW5\New Mockup 1.png"/>
           <p:cNvPicPr>
             <a:picLocks noChangeAspect="1" noChangeArrowheads="1"/>
           </p:cNvPicPr>
@@ -3243,8 +3191,8 @@
         </p:blipFill>
         <p:spPr bwMode="auto">
           <a:xfrm>
-            <a:off x="-1" y="0"/>
-            <a:ext cx="12190413" cy="15730486"/>
+            <a:off x="-17562" y="-5800"/>
+            <a:ext cx="12207975" cy="15765455"/>
           </a:xfrm>
           <a:prstGeom prst="rect">
             <a:avLst/>
@@ -3264,20 +3212,13 @@
     </p:spTree>
     <p:extLst>
       <p:ext uri="{BB962C8B-B14F-4D97-AF65-F5344CB8AC3E}">
-        <p14:creationId xmlns:p14="http://schemas.microsoft.com/office/powerpoint/2010/main" val="1856677879"/>
+        <p14:creationId xmlns:p14="http://schemas.microsoft.com/office/powerpoint/2010/main" val="558030972"/>
       </p:ext>
     </p:extLst>
   </p:cSld>
   <p:clrMapOvr>
     <a:masterClrMapping/>
   </p:clrMapOvr>
-  <p:timing>
-    <p:tnLst>
-      <p:par>
-        <p:cTn id="1" dur="indefinite" restart="never" nodeType="tmRoot"/>
-      </p:par>
-    </p:tnLst>
-  </p:timing>
 </p:sld>
 </file>
 
@@ -3300,7 +3241,7 @@
       </p:grpSpPr>
       <p:pic>
         <p:nvPicPr>
-          <p:cNvPr id="3078" name="Picture 6" descr="D:\網頁設計\HW5\New Mockup 1.png"/>
+          <p:cNvPr id="2050" name="Picture 2" descr="D:\網頁設計\HW5\New Mockup 1.png"/>
           <p:cNvPicPr>
             <a:picLocks noChangeAspect="1" noChangeArrowheads="1"/>
           </p:cNvPicPr>
@@ -3321,8 +3262,8 @@
         </p:blipFill>
         <p:spPr bwMode="auto">
           <a:xfrm>
-            <a:off x="-1" y="0"/>
-            <a:ext cx="12190413" cy="15730486"/>
+            <a:off x="-17562" y="-5800"/>
+            <a:ext cx="12207975" cy="15765455"/>
           </a:xfrm>
           <a:prstGeom prst="rect">
             <a:avLst/>
@@ -3341,27 +3282,477 @@
       </p:pic>
       <p:pic>
         <p:nvPicPr>
-          <p:cNvPr id="3075" name="Picture 3" descr="D:\download\golden-gate-bridge-from-battery-spencer-viewpoint-picjumbo-com.jpg"/>
+          <p:cNvPr id="3074" name="Picture 2"/>
           <p:cNvPicPr>
             <a:picLocks noChangeAspect="1" noChangeArrowheads="1"/>
           </p:cNvPicPr>
           <p:nvPr/>
         </p:nvPicPr>
-        <p:blipFill rotWithShape="1">
-          <a:blip r:embed="rId3" cstate="print">
+        <p:blipFill>
+          <a:blip r:embed="rId3">
             <a:extLst>
               <a:ext uri="{28A0092B-C50C-407E-A947-70E740481C1C}">
                 <a14:useLocalDpi xmlns:a14="http://schemas.microsoft.com/office/drawing/2010/main" val="0"/>
               </a:ext>
             </a:extLst>
           </a:blip>
-          <a:srcRect t="21331" b="18090"/>
-          <a:stretch/>
+          <a:srcRect/>
+          <a:stretch>
+            <a:fillRect/>
+          </a:stretch>
         </p:blipFill>
         <p:spPr bwMode="auto">
           <a:xfrm>
-            <a:off x="1017660" y="1765005"/>
-            <a:ext cx="10155089" cy="4038027"/>
+            <a:off x="8604638" y="5802730"/>
+            <a:ext cx="2517228" cy="2573737"/>
+          </a:xfrm>
+          <a:prstGeom prst="rect">
+            <a:avLst/>
+          </a:prstGeom>
+          <a:noFill/>
+          <a:ln>
+            <a:noFill/>
+          </a:ln>
+          <a:extLst>
+            <a:ext uri="{909E8E84-426E-40DD-AFC4-6F175D3DCCD1}">
+              <a14:hiddenFill xmlns:a14="http://schemas.microsoft.com/office/drawing/2010/main">
+                <a:solidFill>
+                  <a:schemeClr val="accent1"/>
+                </a:solidFill>
+              </a14:hiddenFill>
+            </a:ext>
+            <a:ext uri="{91240B29-F687-4F45-9708-019B960494DF}">
+              <a14:hiddenLine xmlns:a14="http://schemas.microsoft.com/office/drawing/2010/main" w="9525">
+                <a:solidFill>
+                  <a:schemeClr val="tx1"/>
+                </a:solidFill>
+                <a:miter lim="800000"/>
+                <a:headEnd/>
+                <a:tailEnd/>
+              </a14:hiddenLine>
+            </a:ext>
+          </a:extLst>
+        </p:spPr>
+      </p:pic>
+      <p:pic>
+        <p:nvPicPr>
+          <p:cNvPr id="3076" name="Picture 4" descr="「國際車站」的圖片搜尋結果"/>
+          <p:cNvPicPr>
+            <a:picLocks noChangeAspect="1" noChangeArrowheads="1"/>
+          </p:cNvPicPr>
+          <p:nvPr/>
+        </p:nvPicPr>
+        <p:blipFill>
+          <a:blip r:embed="rId4" cstate="print">
+            <a:extLst>
+              <a:ext uri="{28A0092B-C50C-407E-A947-70E740481C1C}">
+                <a14:useLocalDpi xmlns:a14="http://schemas.microsoft.com/office/drawing/2010/main" val="0"/>
+              </a:ext>
+            </a:extLst>
+          </a:blip>
+          <a:srcRect/>
+          <a:stretch>
+            <a:fillRect/>
+          </a:stretch>
+        </p:blipFill>
+        <p:spPr bwMode="auto">
+          <a:xfrm>
+            <a:off x="1361929" y="2327796"/>
+            <a:ext cx="6912768" cy="3514204"/>
+          </a:xfrm>
+          <a:prstGeom prst="rect">
+            <a:avLst/>
+          </a:prstGeom>
+          <a:noFill/>
+          <a:extLst>
+            <a:ext uri="{909E8E84-426E-40DD-AFC4-6F175D3DCCD1}">
+              <a14:hiddenFill xmlns:a14="http://schemas.microsoft.com/office/drawing/2010/main">
+                <a:solidFill>
+                  <a:srgbClr val="FFFFFF"/>
+                </a:solidFill>
+              </a14:hiddenFill>
+            </a:ext>
+          </a:extLst>
+        </p:spPr>
+      </p:pic>
+      <p:sp>
+        <p:nvSpPr>
+          <p:cNvPr id="2" name="AutoShape 6" descr="「戰鬥機」的圖片搜尋結果"/>
+          <p:cNvSpPr>
+            <a:spLocks noChangeAspect="1" noChangeArrowheads="1"/>
+          </p:cNvSpPr>
+          <p:nvPr/>
+        </p:nvSpPr>
+        <p:spPr bwMode="auto">
+          <a:xfrm>
+            <a:off x="155575" y="-144463"/>
+            <a:ext cx="304800" cy="304801"/>
+          </a:xfrm>
+          <a:prstGeom prst="rect">
+            <a:avLst/>
+          </a:prstGeom>
+          <a:noFill/>
+          <a:extLst>
+            <a:ext uri="{909E8E84-426E-40DD-AFC4-6F175D3DCCD1}">
+              <a14:hiddenFill xmlns:a14="http://schemas.microsoft.com/office/drawing/2010/main">
+                <a:solidFill>
+                  <a:srgbClr val="FFFFFF"/>
+                </a:solidFill>
+              </a14:hiddenFill>
+            </a:ext>
+          </a:extLst>
+        </p:spPr>
+        <p:txBody>
+          <a:bodyPr vert="horz" wrap="square" lIns="91440" tIns="45720" rIns="91440" bIns="45720" numCol="1" anchor="t" anchorCtr="0" compatLnSpc="1">
+            <a:prstTxWarp prst="textNoShape">
+              <a:avLst/>
+            </a:prstTxWarp>
+          </a:bodyPr>
+          <a:lstStyle/>
+          <a:p>
+            <a:endParaRPr lang="zh-TW" altLang="en-US"/>
+          </a:p>
+        </p:txBody>
+      </p:sp>
+      <p:sp>
+        <p:nvSpPr>
+          <p:cNvPr id="3" name="AutoShape 8" descr="「戰鬥機」的圖片搜尋結果"/>
+          <p:cNvSpPr>
+            <a:spLocks noChangeAspect="1" noChangeArrowheads="1"/>
+          </p:cNvSpPr>
+          <p:nvPr/>
+        </p:nvSpPr>
+        <p:spPr bwMode="auto">
+          <a:xfrm>
+            <a:off x="307975" y="7937"/>
+            <a:ext cx="304800" cy="304801"/>
+          </a:xfrm>
+          <a:prstGeom prst="rect">
+            <a:avLst/>
+          </a:prstGeom>
+          <a:noFill/>
+          <a:extLst>
+            <a:ext uri="{909E8E84-426E-40DD-AFC4-6F175D3DCCD1}">
+              <a14:hiddenFill xmlns:a14="http://schemas.microsoft.com/office/drawing/2010/main">
+                <a:solidFill>
+                  <a:srgbClr val="FFFFFF"/>
+                </a:solidFill>
+              </a14:hiddenFill>
+            </a:ext>
+          </a:extLst>
+        </p:spPr>
+        <p:txBody>
+          <a:bodyPr vert="horz" wrap="square" lIns="91440" tIns="45720" rIns="91440" bIns="45720" numCol="1" anchor="t" anchorCtr="0" compatLnSpc="1">
+            <a:prstTxWarp prst="textNoShape">
+              <a:avLst/>
+            </a:prstTxWarp>
+          </a:bodyPr>
+          <a:lstStyle/>
+          <a:p>
+            <a:endParaRPr lang="zh-TW" altLang="en-US"/>
+          </a:p>
+        </p:txBody>
+      </p:sp>
+      <p:sp>
+        <p:nvSpPr>
+          <p:cNvPr id="4" name="AutoShape 10" descr="「戰鬥機」的圖片搜尋結果"/>
+          <p:cNvSpPr>
+            <a:spLocks noChangeAspect="1" noChangeArrowheads="1"/>
+          </p:cNvSpPr>
+          <p:nvPr/>
+        </p:nvSpPr>
+        <p:spPr bwMode="auto">
+          <a:xfrm>
+            <a:off x="460375" y="160337"/>
+            <a:ext cx="304800" cy="304801"/>
+          </a:xfrm>
+          <a:prstGeom prst="rect">
+            <a:avLst/>
+          </a:prstGeom>
+          <a:noFill/>
+          <a:extLst>
+            <a:ext uri="{909E8E84-426E-40DD-AFC4-6F175D3DCCD1}">
+              <a14:hiddenFill xmlns:a14="http://schemas.microsoft.com/office/drawing/2010/main">
+                <a:solidFill>
+                  <a:srgbClr val="FFFFFF"/>
+                </a:solidFill>
+              </a14:hiddenFill>
+            </a:ext>
+          </a:extLst>
+        </p:spPr>
+        <p:txBody>
+          <a:bodyPr vert="horz" wrap="square" lIns="91440" tIns="45720" rIns="91440" bIns="45720" numCol="1" anchor="t" anchorCtr="0" compatLnSpc="1">
+            <a:prstTxWarp prst="textNoShape">
+              <a:avLst/>
+            </a:prstTxWarp>
+          </a:bodyPr>
+          <a:lstStyle/>
+          <a:p>
+            <a:endParaRPr lang="zh-TW" altLang="en-US"/>
+          </a:p>
+        </p:txBody>
+      </p:sp>
+      <p:sp>
+        <p:nvSpPr>
+          <p:cNvPr id="6" name="AutoShape 12" descr="「戰鬥機」的圖片搜尋結果"/>
+          <p:cNvSpPr>
+            <a:spLocks noChangeAspect="1" noChangeArrowheads="1"/>
+          </p:cNvSpPr>
+          <p:nvPr/>
+        </p:nvSpPr>
+        <p:spPr bwMode="auto">
+          <a:xfrm>
+            <a:off x="612775" y="312737"/>
+            <a:ext cx="304800" cy="304801"/>
+          </a:xfrm>
+          <a:prstGeom prst="rect">
+            <a:avLst/>
+          </a:prstGeom>
+          <a:noFill/>
+          <a:extLst>
+            <a:ext uri="{909E8E84-426E-40DD-AFC4-6F175D3DCCD1}">
+              <a14:hiddenFill xmlns:a14="http://schemas.microsoft.com/office/drawing/2010/main">
+                <a:solidFill>
+                  <a:srgbClr val="FFFFFF"/>
+                </a:solidFill>
+              </a14:hiddenFill>
+            </a:ext>
+          </a:extLst>
+        </p:spPr>
+        <p:txBody>
+          <a:bodyPr vert="horz" wrap="square" lIns="91440" tIns="45720" rIns="91440" bIns="45720" numCol="1" anchor="t" anchorCtr="0" compatLnSpc="1">
+            <a:prstTxWarp prst="textNoShape">
+              <a:avLst/>
+            </a:prstTxWarp>
+          </a:bodyPr>
+          <a:lstStyle/>
+          <a:p>
+            <a:endParaRPr lang="zh-TW" altLang="en-US"/>
+          </a:p>
+        </p:txBody>
+      </p:sp>
+      <p:sp>
+        <p:nvSpPr>
+          <p:cNvPr id="7" name="AutoShape 14" descr="「戰鬥機」的圖片搜尋結果"/>
+          <p:cNvSpPr>
+            <a:spLocks noChangeAspect="1" noChangeArrowheads="1"/>
+          </p:cNvSpPr>
+          <p:nvPr/>
+        </p:nvSpPr>
+        <p:spPr bwMode="auto">
+          <a:xfrm>
+            <a:off x="765175" y="465137"/>
+            <a:ext cx="304800" cy="304801"/>
+          </a:xfrm>
+          <a:prstGeom prst="rect">
+            <a:avLst/>
+          </a:prstGeom>
+          <a:noFill/>
+          <a:extLst>
+            <a:ext uri="{909E8E84-426E-40DD-AFC4-6F175D3DCCD1}">
+              <a14:hiddenFill xmlns:a14="http://schemas.microsoft.com/office/drawing/2010/main">
+                <a:solidFill>
+                  <a:srgbClr val="FFFFFF"/>
+                </a:solidFill>
+              </a14:hiddenFill>
+            </a:ext>
+          </a:extLst>
+        </p:spPr>
+        <p:txBody>
+          <a:bodyPr vert="horz" wrap="square" lIns="91440" tIns="45720" rIns="91440" bIns="45720" numCol="1" anchor="t" anchorCtr="0" compatLnSpc="1">
+            <a:prstTxWarp prst="textNoShape">
+              <a:avLst/>
+            </a:prstTxWarp>
+          </a:bodyPr>
+          <a:lstStyle/>
+          <a:p>
+            <a:endParaRPr lang="zh-TW" altLang="en-US"/>
+          </a:p>
+        </p:txBody>
+      </p:sp>
+      <p:sp>
+        <p:nvSpPr>
+          <p:cNvPr id="8" name="AutoShape 16" descr="「戰鬥機」的圖片搜尋結果"/>
+          <p:cNvSpPr>
+            <a:spLocks noChangeAspect="1" noChangeArrowheads="1"/>
+          </p:cNvSpPr>
+          <p:nvPr/>
+        </p:nvSpPr>
+        <p:spPr bwMode="auto">
+          <a:xfrm>
+            <a:off x="917575" y="617537"/>
+            <a:ext cx="304800" cy="304801"/>
+          </a:xfrm>
+          <a:prstGeom prst="rect">
+            <a:avLst/>
+          </a:prstGeom>
+          <a:noFill/>
+          <a:extLst>
+            <a:ext uri="{909E8E84-426E-40DD-AFC4-6F175D3DCCD1}">
+              <a14:hiddenFill xmlns:a14="http://schemas.microsoft.com/office/drawing/2010/main">
+                <a:solidFill>
+                  <a:srgbClr val="FFFFFF"/>
+                </a:solidFill>
+              </a14:hiddenFill>
+            </a:ext>
+          </a:extLst>
+        </p:spPr>
+        <p:txBody>
+          <a:bodyPr vert="horz" wrap="square" lIns="91440" tIns="45720" rIns="91440" bIns="45720" numCol="1" anchor="t" anchorCtr="0" compatLnSpc="1">
+            <a:prstTxWarp prst="textNoShape">
+              <a:avLst/>
+            </a:prstTxWarp>
+          </a:bodyPr>
+          <a:lstStyle/>
+          <a:p>
+            <a:endParaRPr lang="zh-TW" altLang="en-US"/>
+          </a:p>
+        </p:txBody>
+      </p:sp>
+      <p:pic>
+        <p:nvPicPr>
+          <p:cNvPr id="3092" name="Picture 20" descr="「戰鬥機」的圖片搜尋結果"/>
+          <p:cNvPicPr>
+            <a:picLocks noChangeAspect="1" noChangeArrowheads="1"/>
+          </p:cNvPicPr>
+          <p:nvPr/>
+        </p:nvPicPr>
+        <p:blipFill>
+          <a:blip r:embed="rId5">
+            <a:extLst>
+              <a:ext uri="{28A0092B-C50C-407E-A947-70E740481C1C}">
+                <a14:useLocalDpi xmlns:a14="http://schemas.microsoft.com/office/drawing/2010/main" val="0"/>
+              </a:ext>
+            </a:extLst>
+          </a:blip>
+          <a:srcRect/>
+          <a:stretch>
+            <a:fillRect/>
+          </a:stretch>
+        </p:blipFill>
+        <p:spPr bwMode="auto">
+          <a:xfrm>
+            <a:off x="8831511" y="2327797"/>
+            <a:ext cx="2290356" cy="1296144"/>
+          </a:xfrm>
+          <a:prstGeom prst="rect">
+            <a:avLst/>
+          </a:prstGeom>
+          <a:noFill/>
+          <a:extLst>
+            <a:ext uri="{909E8E84-426E-40DD-AFC4-6F175D3DCCD1}">
+              <a14:hiddenFill xmlns:a14="http://schemas.microsoft.com/office/drawing/2010/main">
+                <a:solidFill>
+                  <a:srgbClr val="FFFFFF"/>
+                </a:solidFill>
+              </a14:hiddenFill>
+            </a:ext>
+          </a:extLst>
+        </p:spPr>
+      </p:pic>
+      <p:sp>
+        <p:nvSpPr>
+          <p:cNvPr id="9" name="AutoShape 22" descr="「短頸鹿」的圖片搜尋結果"/>
+          <p:cNvSpPr>
+            <a:spLocks noChangeAspect="1" noChangeArrowheads="1"/>
+          </p:cNvSpPr>
+          <p:nvPr/>
+        </p:nvSpPr>
+        <p:spPr bwMode="auto">
+          <a:xfrm>
+            <a:off x="1069975" y="769937"/>
+            <a:ext cx="304800" cy="304801"/>
+          </a:xfrm>
+          <a:prstGeom prst="rect">
+            <a:avLst/>
+          </a:prstGeom>
+          <a:noFill/>
+          <a:extLst>
+            <a:ext uri="{909E8E84-426E-40DD-AFC4-6F175D3DCCD1}">
+              <a14:hiddenFill xmlns:a14="http://schemas.microsoft.com/office/drawing/2010/main">
+                <a:solidFill>
+                  <a:srgbClr val="FFFFFF"/>
+                </a:solidFill>
+              </a14:hiddenFill>
+            </a:ext>
+          </a:extLst>
+        </p:spPr>
+        <p:txBody>
+          <a:bodyPr vert="horz" wrap="square" lIns="91440" tIns="45720" rIns="91440" bIns="45720" numCol="1" anchor="t" anchorCtr="0" compatLnSpc="1">
+            <a:prstTxWarp prst="textNoShape">
+              <a:avLst/>
+            </a:prstTxWarp>
+          </a:bodyPr>
+          <a:lstStyle/>
+          <a:p>
+            <a:endParaRPr lang="zh-TW" altLang="en-US"/>
+          </a:p>
+        </p:txBody>
+      </p:sp>
+      <p:sp>
+        <p:nvSpPr>
+          <p:cNvPr id="10" name="AutoShape 24" descr="「短頸鹿」的圖片搜尋結果"/>
+          <p:cNvSpPr>
+            <a:spLocks noChangeAspect="1" noChangeArrowheads="1"/>
+          </p:cNvSpPr>
+          <p:nvPr/>
+        </p:nvSpPr>
+        <p:spPr bwMode="auto">
+          <a:xfrm>
+            <a:off x="1222375" y="922337"/>
+            <a:ext cx="304800" cy="304801"/>
+          </a:xfrm>
+          <a:prstGeom prst="rect">
+            <a:avLst/>
+          </a:prstGeom>
+          <a:noFill/>
+          <a:extLst>
+            <a:ext uri="{909E8E84-426E-40DD-AFC4-6F175D3DCCD1}">
+              <a14:hiddenFill xmlns:a14="http://schemas.microsoft.com/office/drawing/2010/main">
+                <a:solidFill>
+                  <a:srgbClr val="FFFFFF"/>
+                </a:solidFill>
+              </a14:hiddenFill>
+            </a:ext>
+          </a:extLst>
+        </p:spPr>
+        <p:txBody>
+          <a:bodyPr vert="horz" wrap="square" lIns="91440" tIns="45720" rIns="91440" bIns="45720" numCol="1" anchor="t" anchorCtr="0" compatLnSpc="1">
+            <a:prstTxWarp prst="textNoShape">
+              <a:avLst/>
+            </a:prstTxWarp>
+          </a:bodyPr>
+          <a:lstStyle/>
+          <a:p>
+            <a:endParaRPr lang="zh-TW" altLang="en-US"/>
+          </a:p>
+        </p:txBody>
+      </p:sp>
+      <p:pic>
+        <p:nvPicPr>
+          <p:cNvPr id="3097" name="Picture 25" descr="D:\網頁設計\HW5\長頸鹿.jpg"/>
+          <p:cNvPicPr>
+            <a:picLocks noChangeAspect="1" noChangeArrowheads="1"/>
+          </p:cNvPicPr>
+          <p:nvPr/>
+        </p:nvPicPr>
+        <p:blipFill>
+          <a:blip r:embed="rId6">
+            <a:extLst>
+              <a:ext uri="{28A0092B-C50C-407E-A947-70E740481C1C}">
+                <a14:useLocalDpi xmlns:a14="http://schemas.microsoft.com/office/drawing/2010/main" val="0"/>
+              </a:ext>
+            </a:extLst>
+          </a:blip>
+          <a:srcRect/>
+          <a:stretch>
+            <a:fillRect/>
+          </a:stretch>
+        </p:blipFill>
+        <p:spPr bwMode="auto">
+          <a:xfrm>
+            <a:off x="1391920" y="6451378"/>
+            <a:ext cx="2690982" cy="1531771"/>
           </a:xfrm>
           <a:prstGeom prst="rect">
             <a:avLst/>
@@ -3380,57 +3771,114 @@
       </p:pic>
       <p:pic>
         <p:nvPicPr>
-          <p:cNvPr id="3076" name="Picture 4" descr="D:\images.jpg"/>
+          <p:cNvPr id="3098" name="Picture 26" descr="D:\網頁設計\img\img_main_pumpkin.png"/>
           <p:cNvPicPr>
             <a:picLocks noChangeAspect="1" noChangeArrowheads="1"/>
           </p:cNvPicPr>
           <p:nvPr/>
         </p:nvPicPr>
-        <p:blipFill rotWithShape="1">
-          <a:blip r:embed="rId4">
+        <p:blipFill>
+          <a:blip r:embed="rId7" cstate="print">
             <a:extLst>
               <a:ext uri="{28A0092B-C50C-407E-A947-70E740481C1C}">
                 <a14:useLocalDpi xmlns:a14="http://schemas.microsoft.com/office/drawing/2010/main" val="0"/>
               </a:ext>
             </a:extLst>
           </a:blip>
-          <a:srcRect l="397" t="2313" r="21552"/>
-          <a:stretch/>
+          <a:srcRect/>
+          <a:stretch>
+            <a:fillRect/>
+          </a:stretch>
         </p:blipFill>
         <p:spPr bwMode="auto">
           <a:xfrm>
-            <a:off x="1291002" y="6273209"/>
-            <a:ext cx="2472924" cy="2318323"/>
+            <a:off x="8666480" y="9296400"/>
+            <a:ext cx="2468585" cy="1493520"/>
           </a:xfrm>
           <a:prstGeom prst="rect">
             <a:avLst/>
           </a:prstGeom>
-          <a:ln w="190500" cap="sq">
-            <a:solidFill>
-              <a:srgbClr val="C8C6BD"/>
-            </a:solidFill>
-            <a:prstDash val="solid"/>
-            <a:miter lim="800000"/>
-          </a:ln>
-          <a:effectLst>
-            <a:outerShdw blurRad="254000" algn="bl" rotWithShape="0">
-              <a:srgbClr val="000000">
-                <a:alpha val="43000"/>
-              </a:srgbClr>
-            </a:outerShdw>
-          </a:effectLst>
-          <a:scene3d>
-            <a:camera prst="perspectiveFront" fov="5400000"/>
-            <a:lightRig rig="threePt" dir="t">
-              <a:rot lat="0" lon="0" rev="2100000"/>
-            </a:lightRig>
-          </a:scene3d>
-          <a:sp3d extrusionH="25400">
-            <a:bevelT w="304800" h="152400" prst="hardEdge"/>
-            <a:extrusionClr>
-              <a:srgbClr val="000000"/>
-            </a:extrusionClr>
-          </a:sp3d>
+          <a:noFill/>
+          <a:extLst>
+            <a:ext uri="{909E8E84-426E-40DD-AFC4-6F175D3DCCD1}">
+              <a14:hiddenFill xmlns:a14="http://schemas.microsoft.com/office/drawing/2010/main">
+                <a:solidFill>
+                  <a:srgbClr val="FFFFFF"/>
+                </a:solidFill>
+              </a14:hiddenFill>
+            </a:ext>
+          </a:extLst>
+        </p:spPr>
+      </p:pic>
+      <p:sp>
+        <p:nvSpPr>
+          <p:cNvPr id="11" name="AutoShape 28" descr="「股票」的圖片搜尋結果"/>
+          <p:cNvSpPr>
+            <a:spLocks noChangeAspect="1" noChangeArrowheads="1"/>
+          </p:cNvSpPr>
+          <p:nvPr/>
+        </p:nvSpPr>
+        <p:spPr bwMode="auto">
+          <a:xfrm>
+            <a:off x="1374775" y="1074737"/>
+            <a:ext cx="304800" cy="304801"/>
+          </a:xfrm>
+          <a:prstGeom prst="rect">
+            <a:avLst/>
+          </a:prstGeom>
+          <a:noFill/>
+          <a:extLst>
+            <a:ext uri="{909E8E84-426E-40DD-AFC4-6F175D3DCCD1}">
+              <a14:hiddenFill xmlns:a14="http://schemas.microsoft.com/office/drawing/2010/main">
+                <a:solidFill>
+                  <a:srgbClr val="FFFFFF"/>
+                </a:solidFill>
+              </a14:hiddenFill>
+            </a:ext>
+          </a:extLst>
+        </p:spPr>
+        <p:txBody>
+          <a:bodyPr vert="horz" wrap="square" lIns="91440" tIns="45720" rIns="91440" bIns="45720" numCol="1" anchor="t" anchorCtr="0" compatLnSpc="1">
+            <a:prstTxWarp prst="textNoShape">
+              <a:avLst/>
+            </a:prstTxWarp>
+          </a:bodyPr>
+          <a:lstStyle/>
+          <a:p>
+            <a:endParaRPr lang="zh-TW" altLang="en-US"/>
+          </a:p>
+        </p:txBody>
+      </p:sp>
+      <p:pic>
+        <p:nvPicPr>
+          <p:cNvPr id="3101" name="Picture 29" descr="D:\網頁設計\HW5\1.jpg"/>
+          <p:cNvPicPr>
+            <a:picLocks noChangeAspect="1" noChangeArrowheads="1"/>
+          </p:cNvPicPr>
+          <p:nvPr/>
+        </p:nvPicPr>
+        <p:blipFill>
+          <a:blip r:embed="rId8">
+            <a:extLst>
+              <a:ext uri="{28A0092B-C50C-407E-A947-70E740481C1C}">
+                <a14:useLocalDpi xmlns:a14="http://schemas.microsoft.com/office/drawing/2010/main" val="0"/>
+              </a:ext>
+            </a:extLst>
+          </a:blip>
+          <a:srcRect/>
+          <a:stretch>
+            <a:fillRect/>
+          </a:stretch>
+        </p:blipFill>
+        <p:spPr bwMode="auto">
+          <a:xfrm>
+            <a:off x="1339783" y="10536708"/>
+            <a:ext cx="2667191" cy="1512168"/>
+          </a:xfrm>
+          <a:prstGeom prst="rect">
+            <a:avLst/>
+          </a:prstGeom>
+          <a:noFill/>
           <a:extLst>
             <a:ext uri="{909E8E84-426E-40DD-AFC4-6F175D3DCCD1}">
               <a14:hiddenFill xmlns:a14="http://schemas.microsoft.com/office/drawing/2010/main">
@@ -3444,57 +3892,75 @@
       </p:pic>
       <p:pic>
         <p:nvPicPr>
-          <p:cNvPr id="3077" name="Picture 5" descr="D:\images2.jpg"/>
+          <p:cNvPr id="3103" name="Picture 31" descr="「讀心」的圖片搜尋結果"/>
           <p:cNvPicPr>
             <a:picLocks noChangeAspect="1" noChangeArrowheads="1"/>
           </p:cNvPicPr>
           <p:nvPr/>
         </p:nvPicPr>
-        <p:blipFill rotWithShape="1">
-          <a:blip r:embed="rId5">
+        <p:blipFill>
+          <a:blip r:embed="rId9">
             <a:extLst>
               <a:ext uri="{28A0092B-C50C-407E-A947-70E740481C1C}">
                 <a14:useLocalDpi xmlns:a14="http://schemas.microsoft.com/office/drawing/2010/main" val="0"/>
               </a:ext>
             </a:extLst>
           </a:blip>
-          <a:srcRect l="11347" t="8262" r="20276"/>
-          <a:stretch/>
+          <a:srcRect/>
+          <a:stretch>
+            <a:fillRect/>
+          </a:stretch>
         </p:blipFill>
         <p:spPr bwMode="auto">
           <a:xfrm>
-            <a:off x="1291002" y="9101924"/>
-            <a:ext cx="2472924" cy="2179956"/>
+            <a:off x="4655047" y="6451378"/>
+            <a:ext cx="3456384" cy="2069106"/>
           </a:xfrm>
           <a:prstGeom prst="rect">
             <a:avLst/>
           </a:prstGeom>
-          <a:ln w="190500" cap="sq">
-            <a:solidFill>
-              <a:srgbClr val="C8C6BD"/>
-            </a:solidFill>
-            <a:prstDash val="solid"/>
-            <a:miter lim="800000"/>
-          </a:ln>
-          <a:effectLst>
-            <a:outerShdw blurRad="254000" algn="bl" rotWithShape="0">
-              <a:srgbClr val="000000">
-                <a:alpha val="43000"/>
-              </a:srgbClr>
-            </a:outerShdw>
-          </a:effectLst>
-          <a:scene3d>
-            <a:camera prst="perspectiveFront" fov="5400000"/>
-            <a:lightRig rig="threePt" dir="t">
-              <a:rot lat="0" lon="0" rev="2100000"/>
-            </a:lightRig>
-          </a:scene3d>
-          <a:sp3d extrusionH="25400">
-            <a:bevelT w="304800" h="152400" prst="hardEdge"/>
-            <a:extrusionClr>
-              <a:srgbClr val="000000"/>
-            </a:extrusionClr>
-          </a:sp3d>
+          <a:noFill/>
+          <a:extLst>
+            <a:ext uri="{909E8E84-426E-40DD-AFC4-6F175D3DCCD1}">
+              <a14:hiddenFill xmlns:a14="http://schemas.microsoft.com/office/drawing/2010/main">
+                <a:solidFill>
+                  <a:srgbClr val="FFFFFF"/>
+                </a:solidFill>
+              </a14:hiddenFill>
+            </a:ext>
+          </a:extLst>
+        </p:spPr>
+      </p:pic>
+      <p:pic>
+        <p:nvPicPr>
+          <p:cNvPr id="3105" name="Picture 33" descr="「棒球」的圖片搜尋結果"/>
+          <p:cNvPicPr>
+            <a:picLocks noChangeAspect="1" noChangeArrowheads="1"/>
+          </p:cNvPicPr>
+          <p:nvPr/>
+        </p:nvPicPr>
+        <p:blipFill>
+          <a:blip r:embed="rId10">
+            <a:extLst>
+              <a:ext uri="{28A0092B-C50C-407E-A947-70E740481C1C}">
+                <a14:useLocalDpi xmlns:a14="http://schemas.microsoft.com/office/drawing/2010/main" val="0"/>
+              </a:ext>
+            </a:extLst>
+          </a:blip>
+          <a:srcRect/>
+          <a:stretch>
+            <a:fillRect/>
+          </a:stretch>
+        </p:blipFill>
+        <p:spPr bwMode="auto">
+          <a:xfrm>
+            <a:off x="4662437" y="10939936"/>
+            <a:ext cx="3376985" cy="1728192"/>
+          </a:xfrm>
+          <a:prstGeom prst="rect">
+            <a:avLst/>
+          </a:prstGeom>
+          <a:noFill/>
           <a:extLst>
             <a:ext uri="{909E8E84-426E-40DD-AFC4-6F175D3DCCD1}">
               <a14:hiddenFill xmlns:a14="http://schemas.microsoft.com/office/drawing/2010/main">
@@ -3509,20 +3975,13 @@
     </p:spTree>
     <p:extLst>
       <p:ext uri="{BB962C8B-B14F-4D97-AF65-F5344CB8AC3E}">
-        <p14:creationId xmlns:p14="http://schemas.microsoft.com/office/powerpoint/2010/main" val="354736879"/>
+        <p14:creationId xmlns:p14="http://schemas.microsoft.com/office/powerpoint/2010/main" val="736077695"/>
       </p:ext>
     </p:extLst>
   </p:cSld>
   <p:clrMapOvr>
     <a:masterClrMapping/>
   </p:clrMapOvr>
-  <p:timing>
-    <p:tnLst>
-      <p:par>
-        <p:cTn id="1" dur="indefinite" restart="never" nodeType="tmRoot"/>
-      </p:par>
-    </p:tnLst>
-  </p:timing>
 </p:sld>
 </file>
 
